--- a/Whiteboard design session/WDS trainer presentation - Securing the IoT end to end.pptx
+++ b/Whiteboard design session/WDS trainer presentation - Securing the IoT end to end.pptx
@@ -6,7 +6,7 @@
     <p:sldMasterId id="2147483665" r:id="rId5"/>
   </p:sldMasterIdLst>
   <p:notesMasterIdLst>
-    <p:notesMasterId r:id="rId32"/>
+    <p:notesMasterId r:id="rId23"/>
   </p:notesMasterIdLst>
   <p:sldIdLst>
     <p:sldId id="300" r:id="rId6"/>
@@ -26,15 +26,6 @@
     <p:sldId id="319" r:id="rId20"/>
     <p:sldId id="318" r:id="rId21"/>
     <p:sldId id="315" r:id="rId22"/>
-    <p:sldId id="306" r:id="rId23"/>
-    <p:sldId id="307" r:id="rId24"/>
-    <p:sldId id="308" r:id="rId25"/>
-    <p:sldId id="309" r:id="rId26"/>
-    <p:sldId id="310" r:id="rId27"/>
-    <p:sldId id="311" r:id="rId28"/>
-    <p:sldId id="312" r:id="rId29"/>
-    <p:sldId id="313" r:id="rId30"/>
-    <p:sldId id="314" r:id="rId31"/>
   </p:sldIdLst>
   <p:sldSz cx="12192000" cy="6858000"/>
   <p:notesSz cx="6858000" cy="9144000"/>
@@ -1372,7 +1363,7 @@
                   <a:prstClr val="black"/>
                 </a:solidFill>
               </a:rPr>
-              <a:t>6/10/2019 6:39 PM</a:t>
+              <a:t>6/10/2019 6:56 PM</a:t>
             </a:fld>
             <a:endParaRPr lang="en-US" dirty="0">
               <a:solidFill>
@@ -1472,368 +1463,6 @@
     <p:extLst>
       <p:ext uri="{BB962C8B-B14F-4D97-AF65-F5344CB8AC3E}">
         <p14:creationId xmlns:p14="http://schemas.microsoft.com/office/powerpoint/2010/main" val="4011344012"/>
-      </p:ext>
-    </p:extLst>
-  </p:cSld>
-  <p:clrMapOvr>
-    <a:masterClrMapping/>
-  </p:clrMapOvr>
-</p:notes>
-</file>
-
-<file path=ppt/notesSlides/notesSlide18.xml><?xml version="1.0" encoding="utf-8"?>
-<p:notes xmlns:a="http://schemas.openxmlformats.org/drawingml/2006/main" xmlns:r="http://schemas.openxmlformats.org/officeDocument/2006/relationships" xmlns:p="http://schemas.openxmlformats.org/presentationml/2006/main">
-  <p:cSld>
-    <p:spTree>
-      <p:nvGrpSpPr>
-        <p:cNvPr id="1" name=""/>
-        <p:cNvGrpSpPr/>
-        <p:nvPr/>
-      </p:nvGrpSpPr>
-      <p:grpSpPr>
-        <a:xfrm>
-          <a:off x="0" y="0"/>
-          <a:ext cx="0" cy="0"/>
-          <a:chOff x="0" y="0"/>
-          <a:chExt cx="0" cy="0"/>
-        </a:xfrm>
-      </p:grpSpPr>
-      <p:sp>
-        <p:nvSpPr>
-          <p:cNvPr id="2" name="Slide Image Placeholder 1"/>
-          <p:cNvSpPr>
-            <a:spLocks noGrp="1" noRot="1" noChangeAspect="1"/>
-          </p:cNvSpPr>
-          <p:nvPr>
-            <p:ph type="sldImg"/>
-          </p:nvPr>
-        </p:nvSpPr>
-        <p:spPr/>
-      </p:sp>
-      <p:sp>
-        <p:nvSpPr>
-          <p:cNvPr id="3" name="Notes Placeholder 2"/>
-          <p:cNvSpPr>
-            <a:spLocks noGrp="1"/>
-          </p:cNvSpPr>
-          <p:nvPr>
-            <p:ph type="body" idx="1"/>
-          </p:nvPr>
-        </p:nvSpPr>
-        <p:spPr/>
-        <p:txBody>
-          <a:bodyPr/>
-          <a:lstStyle/>
-          <a:p>
-            <a:endParaRPr lang="en-US" dirty="0"/>
-          </a:p>
-        </p:txBody>
-      </p:sp>
-      <p:sp>
-        <p:nvSpPr>
-          <p:cNvPr id="4" name="Header Placeholder 3"/>
-          <p:cNvSpPr>
-            <a:spLocks noGrp="1"/>
-          </p:cNvSpPr>
-          <p:nvPr>
-            <p:ph type="hdr" sz="quarter" idx="10"/>
-          </p:nvPr>
-        </p:nvSpPr>
-        <p:spPr/>
-        <p:txBody>
-          <a:bodyPr/>
-          <a:lstStyle/>
-          <a:p>
-            <a:endParaRPr lang="en-US" dirty="0"/>
-          </a:p>
-        </p:txBody>
-      </p:sp>
-      <p:sp>
-        <p:nvSpPr>
-          <p:cNvPr id="5" name="Footer Placeholder 4"/>
-          <p:cNvSpPr>
-            <a:spLocks noGrp="1"/>
-          </p:cNvSpPr>
-          <p:nvPr>
-            <p:ph type="ftr" sz="quarter" idx="11"/>
-          </p:nvPr>
-        </p:nvSpPr>
-        <p:spPr/>
-        <p:txBody>
-          <a:bodyPr/>
-          <a:lstStyle/>
-          <a:p>
-            <a:pPr defTabSz="914099" eaLnBrk="0" hangingPunct="0"/>
-            <a:r>
-              <a:rPr lang="en-US" sz="400">
-                <a:gradFill>
-                  <a:gsLst>
-                    <a:gs pos="0">
-                      <a:prstClr val="black"/>
-                    </a:gs>
-                    <a:gs pos="100000">
-                      <a:prstClr val="black"/>
-                    </a:gs>
-                  </a:gsLst>
-                  <a:lin ang="5400000" scaled="0"/>
-                </a:gradFill>
-                <a:latin typeface="Segoe UI" pitchFamily="34" charset="0"/>
-                <a:ea typeface="Segoe UI" pitchFamily="34" charset="0"/>
-                <a:cs typeface="Segoe UI" pitchFamily="34" charset="0"/>
-              </a:rPr>
-              <a:t>© Microsoft Corporation. All rights reserved. MICROSOFT MAKES NO WARRANTIES, EXPRESS, IMPLIED OR STATUTORY, AS TO THE INFORMATION IN THIS PRESENTATION.</a:t>
-            </a:r>
-            <a:endParaRPr lang="en-US" sz="400" dirty="0">
-              <a:gradFill>
-                <a:gsLst>
-                  <a:gs pos="0">
-                    <a:prstClr val="black"/>
-                  </a:gs>
-                  <a:gs pos="100000">
-                    <a:prstClr val="black"/>
-                  </a:gs>
-                </a:gsLst>
-                <a:lin ang="5400000" scaled="0"/>
-              </a:gradFill>
-              <a:latin typeface="Segoe UI" pitchFamily="34" charset="0"/>
-              <a:ea typeface="Segoe UI" pitchFamily="34" charset="0"/>
-              <a:cs typeface="Segoe UI" pitchFamily="34" charset="0"/>
-            </a:endParaRPr>
-          </a:p>
-        </p:txBody>
-      </p:sp>
-      <p:sp>
-        <p:nvSpPr>
-          <p:cNvPr id="6" name="Date Placeholder 5"/>
-          <p:cNvSpPr>
-            <a:spLocks noGrp="1"/>
-          </p:cNvSpPr>
-          <p:nvPr>
-            <p:ph type="dt" idx="12"/>
-          </p:nvPr>
-        </p:nvSpPr>
-        <p:spPr/>
-        <p:txBody>
-          <a:bodyPr/>
-          <a:lstStyle/>
-          <a:p>
-            <a:fld id="{328EAAE8-B538-48EB-83B5-2B364220CC89}" type="datetime8">
-              <a:rPr lang="en-US" smtClean="0"/>
-              <a:t>6/10/2019 6:39 PM</a:t>
-            </a:fld>
-            <a:endParaRPr lang="en-US" dirty="0"/>
-          </a:p>
-        </p:txBody>
-      </p:sp>
-      <p:sp>
-        <p:nvSpPr>
-          <p:cNvPr id="7" name="Slide Number Placeholder 6"/>
-          <p:cNvSpPr>
-            <a:spLocks noGrp="1"/>
-          </p:cNvSpPr>
-          <p:nvPr>
-            <p:ph type="sldNum" sz="quarter" idx="13"/>
-          </p:nvPr>
-        </p:nvSpPr>
-        <p:spPr/>
-        <p:txBody>
-          <a:bodyPr/>
-          <a:lstStyle/>
-          <a:p>
-            <a:fld id="{B4008EB6-D09E-4580-8CD6-DDB14511944F}" type="slidenum">
-              <a:rPr lang="en-US" smtClean="0"/>
-              <a:pPr/>
-              <a:t>18</a:t>
-            </a:fld>
-            <a:endParaRPr lang="en-US" dirty="0"/>
-          </a:p>
-        </p:txBody>
-      </p:sp>
-    </p:spTree>
-    <p:extLst>
-      <p:ext uri="{BB962C8B-B14F-4D97-AF65-F5344CB8AC3E}">
-        <p14:creationId xmlns:p14="http://schemas.microsoft.com/office/powerpoint/2010/main" val="3283041316"/>
-      </p:ext>
-    </p:extLst>
-  </p:cSld>
-  <p:clrMapOvr>
-    <a:masterClrMapping/>
-  </p:clrMapOvr>
-</p:notes>
-</file>
-
-<file path=ppt/notesSlides/notesSlide19.xml><?xml version="1.0" encoding="utf-8"?>
-<p:notes xmlns:a="http://schemas.openxmlformats.org/drawingml/2006/main" xmlns:r="http://schemas.openxmlformats.org/officeDocument/2006/relationships" xmlns:p="http://schemas.openxmlformats.org/presentationml/2006/main">
-  <p:cSld>
-    <p:spTree>
-      <p:nvGrpSpPr>
-        <p:cNvPr id="1" name=""/>
-        <p:cNvGrpSpPr/>
-        <p:nvPr/>
-      </p:nvGrpSpPr>
-      <p:grpSpPr>
-        <a:xfrm>
-          <a:off x="0" y="0"/>
-          <a:ext cx="0" cy="0"/>
-          <a:chOff x="0" y="0"/>
-          <a:chExt cx="0" cy="0"/>
-        </a:xfrm>
-      </p:grpSpPr>
-      <p:sp>
-        <p:nvSpPr>
-          <p:cNvPr id="2" name="Slide Image Placeholder 1"/>
-          <p:cNvSpPr>
-            <a:spLocks noGrp="1" noRot="1" noChangeAspect="1"/>
-          </p:cNvSpPr>
-          <p:nvPr>
-            <p:ph type="sldImg"/>
-          </p:nvPr>
-        </p:nvSpPr>
-        <p:spPr/>
-      </p:sp>
-      <p:sp>
-        <p:nvSpPr>
-          <p:cNvPr id="3" name="Notes Placeholder 2"/>
-          <p:cNvSpPr>
-            <a:spLocks noGrp="1"/>
-          </p:cNvSpPr>
-          <p:nvPr>
-            <p:ph type="body" idx="1"/>
-          </p:nvPr>
-        </p:nvSpPr>
-        <p:spPr/>
-        <p:txBody>
-          <a:bodyPr/>
-          <a:lstStyle/>
-          <a:p>
-            <a:endParaRPr lang="en-US" dirty="0"/>
-          </a:p>
-        </p:txBody>
-      </p:sp>
-      <p:sp>
-        <p:nvSpPr>
-          <p:cNvPr id="6" name="Slide Number Placeholder 5"/>
-          <p:cNvSpPr>
-            <a:spLocks noGrp="1"/>
-          </p:cNvSpPr>
-          <p:nvPr>
-            <p:ph type="sldNum" sz="quarter" idx="12"/>
-          </p:nvPr>
-        </p:nvSpPr>
-        <p:spPr/>
-        <p:txBody>
-          <a:bodyPr/>
-          <a:lstStyle/>
-          <a:p>
-            <a:fld id="{B4008EB6-D09E-4580-8CD6-DDB14511944F}" type="slidenum">
-              <a:rPr lang="en-US" smtClean="0"/>
-              <a:pPr/>
-              <a:t>19</a:t>
-            </a:fld>
-            <a:endParaRPr lang="en-US" dirty="0"/>
-          </a:p>
-        </p:txBody>
-      </p:sp>
-      <p:sp>
-        <p:nvSpPr>
-          <p:cNvPr id="10" name="Date Placeholder 9"/>
-          <p:cNvSpPr>
-            <a:spLocks noGrp="1"/>
-          </p:cNvSpPr>
-          <p:nvPr>
-            <p:ph type="dt" idx="13"/>
-          </p:nvPr>
-        </p:nvSpPr>
-        <p:spPr/>
-        <p:txBody>
-          <a:bodyPr/>
-          <a:lstStyle/>
-          <a:p>
-            <a:fld id="{5A70A388-5CB4-42F2-85B9-1AE1F63398FA}" type="datetime8">
-              <a:rPr lang="en-US" smtClean="0"/>
-              <a:t>6/10/2019 6:39 PM</a:t>
-            </a:fld>
-            <a:endParaRPr lang="en-US" dirty="0"/>
-          </a:p>
-        </p:txBody>
-      </p:sp>
-      <p:sp>
-        <p:nvSpPr>
-          <p:cNvPr id="12" name="Header Placeholder 11"/>
-          <p:cNvSpPr>
-            <a:spLocks noGrp="1"/>
-          </p:cNvSpPr>
-          <p:nvPr>
-            <p:ph type="hdr" sz="quarter" idx="15"/>
-          </p:nvPr>
-        </p:nvSpPr>
-        <p:spPr/>
-        <p:txBody>
-          <a:bodyPr/>
-          <a:lstStyle/>
-          <a:p>
-            <a:endParaRPr lang="en-US" dirty="0"/>
-          </a:p>
-        </p:txBody>
-      </p:sp>
-      <p:sp>
-        <p:nvSpPr>
-          <p:cNvPr id="5" name="Footer Placeholder 4"/>
-          <p:cNvSpPr>
-            <a:spLocks noGrp="1"/>
-          </p:cNvSpPr>
-          <p:nvPr>
-            <p:ph type="ftr" sz="quarter" idx="16"/>
-          </p:nvPr>
-        </p:nvSpPr>
-        <p:spPr/>
-        <p:txBody>
-          <a:bodyPr/>
-          <a:lstStyle/>
-          <a:p>
-            <a:pPr defTabSz="914099" eaLnBrk="0" hangingPunct="0"/>
-            <a:r>
-              <a:rPr lang="en-US" sz="400">
-                <a:gradFill>
-                  <a:gsLst>
-                    <a:gs pos="0">
-                      <a:prstClr val="black"/>
-                    </a:gs>
-                    <a:gs pos="100000">
-                      <a:prstClr val="black"/>
-                    </a:gs>
-                  </a:gsLst>
-                  <a:lin ang="5400000" scaled="0"/>
-                </a:gradFill>
-                <a:latin typeface="Segoe UI" pitchFamily="34" charset="0"/>
-                <a:ea typeface="Segoe UI" pitchFamily="34" charset="0"/>
-                <a:cs typeface="Segoe UI" pitchFamily="34" charset="0"/>
-              </a:rPr>
-              <a:t>© Microsoft Corporation. All rights reserved. MICROSOFT MAKES NO WARRANTIES, EXPRESS, IMPLIED OR STATUTORY, AS TO THE INFORMATION IN THIS PRESENTATION.</a:t>
-            </a:r>
-            <a:endParaRPr lang="en-US" sz="400" dirty="0">
-              <a:gradFill>
-                <a:gsLst>
-                  <a:gs pos="0">
-                    <a:prstClr val="black"/>
-                  </a:gs>
-                  <a:gs pos="100000">
-                    <a:prstClr val="black"/>
-                  </a:gs>
-                </a:gsLst>
-                <a:lin ang="5400000" scaled="0"/>
-              </a:gradFill>
-              <a:latin typeface="Segoe UI" pitchFamily="34" charset="0"/>
-              <a:ea typeface="Segoe UI" pitchFamily="34" charset="0"/>
-              <a:cs typeface="Segoe UI" pitchFamily="34" charset="0"/>
-            </a:endParaRPr>
-          </a:p>
-        </p:txBody>
-      </p:sp>
-    </p:spTree>
-    <p:extLst>
-      <p:ext uri="{BB962C8B-B14F-4D97-AF65-F5344CB8AC3E}">
-        <p14:creationId xmlns:p14="http://schemas.microsoft.com/office/powerpoint/2010/main" val="2019336904"/>
       </p:ext>
     </p:extLst>
   </p:cSld>
@@ -1918,1342 +1547,6 @@
     <p:extLst>
       <p:ext uri="{BB962C8B-B14F-4D97-AF65-F5344CB8AC3E}">
         <p14:creationId xmlns:p14="http://schemas.microsoft.com/office/powerpoint/2010/main" val="920679401"/>
-      </p:ext>
-    </p:extLst>
-  </p:cSld>
-  <p:clrMapOvr>
-    <a:masterClrMapping/>
-  </p:clrMapOvr>
-</p:notes>
-</file>
-
-<file path=ppt/notesSlides/notesSlide20.xml><?xml version="1.0" encoding="utf-8"?>
-<p:notes xmlns:a="http://schemas.openxmlformats.org/drawingml/2006/main" xmlns:r="http://schemas.openxmlformats.org/officeDocument/2006/relationships" xmlns:p="http://schemas.openxmlformats.org/presentationml/2006/main">
-  <p:cSld>
-    <p:spTree>
-      <p:nvGrpSpPr>
-        <p:cNvPr id="1" name=""/>
-        <p:cNvGrpSpPr/>
-        <p:nvPr/>
-      </p:nvGrpSpPr>
-      <p:grpSpPr>
-        <a:xfrm>
-          <a:off x="0" y="0"/>
-          <a:ext cx="0" cy="0"/>
-          <a:chOff x="0" y="0"/>
-          <a:chExt cx="0" cy="0"/>
-        </a:xfrm>
-      </p:grpSpPr>
-      <p:sp>
-        <p:nvSpPr>
-          <p:cNvPr id="2" name="Slide Image Placeholder 1"/>
-          <p:cNvSpPr>
-            <a:spLocks noGrp="1" noRot="1" noChangeAspect="1"/>
-          </p:cNvSpPr>
-          <p:nvPr>
-            <p:ph type="sldImg"/>
-          </p:nvPr>
-        </p:nvSpPr>
-        <p:spPr>
-          <a:xfrm>
-            <a:off x="381000" y="685800"/>
-            <a:ext cx="6096000" cy="3429000"/>
-          </a:xfrm>
-          <a:prstGeom prst="rect">
-            <a:avLst/>
-          </a:prstGeom>
-        </p:spPr>
-      </p:sp>
-      <p:sp>
-        <p:nvSpPr>
-          <p:cNvPr id="3" name="Notes Placeholder 2"/>
-          <p:cNvSpPr>
-            <a:spLocks noGrp="1"/>
-          </p:cNvSpPr>
-          <p:nvPr>
-            <p:ph type="body" idx="1"/>
-          </p:nvPr>
-        </p:nvSpPr>
-        <p:spPr>
-          <a:xfrm>
-            <a:off x="685800" y="4343400"/>
-            <a:ext cx="5486400" cy="4114800"/>
-          </a:xfrm>
-          <a:prstGeom prst="rect">
-            <a:avLst/>
-          </a:prstGeom>
-        </p:spPr>
-        <p:txBody>
-          <a:bodyPr>
-            <a:normAutofit/>
-          </a:bodyPr>
-          <a:lstStyle/>
-          <a:p>
-            <a:endParaRPr lang="en-US" dirty="0"/>
-          </a:p>
-        </p:txBody>
-      </p:sp>
-      <p:sp>
-        <p:nvSpPr>
-          <p:cNvPr id="4" name="Date Placeholder 3"/>
-          <p:cNvSpPr>
-            <a:spLocks noGrp="1"/>
-          </p:cNvSpPr>
-          <p:nvPr>
-            <p:ph type="dt" idx="10"/>
-          </p:nvPr>
-        </p:nvSpPr>
-        <p:spPr>
-          <a:xfrm>
-            <a:off x="3884613" y="0"/>
-            <a:ext cx="2971800" cy="457200"/>
-          </a:xfrm>
-          <a:prstGeom prst="rect">
-            <a:avLst/>
-          </a:prstGeom>
-        </p:spPr>
-        <p:txBody>
-          <a:bodyPr/>
-          <a:lstStyle/>
-          <a:p>
-            <a:fld id="{6939CF7E-134C-4B4A-9853-17D7568CBCC2}" type="datetime8">
-              <a:rPr lang="en-US" smtClean="0"/>
-              <a:t>6/10/2019 6:39 PM</a:t>
-            </a:fld>
-            <a:endParaRPr lang="en-US" dirty="0"/>
-          </a:p>
-        </p:txBody>
-      </p:sp>
-      <p:sp>
-        <p:nvSpPr>
-          <p:cNvPr id="7" name="Slide Number Placeholder 6"/>
-          <p:cNvSpPr>
-            <a:spLocks noGrp="1"/>
-          </p:cNvSpPr>
-          <p:nvPr>
-            <p:ph type="sldNum" sz="quarter" idx="12"/>
-          </p:nvPr>
-        </p:nvSpPr>
-        <p:spPr>
-          <a:xfrm>
-            <a:off x="6172199" y="8685213"/>
-            <a:ext cx="684213" cy="457200"/>
-          </a:xfrm>
-          <a:prstGeom prst="rect">
-            <a:avLst/>
-          </a:prstGeom>
-        </p:spPr>
-        <p:txBody>
-          <a:bodyPr/>
-          <a:lstStyle/>
-          <a:p>
-            <a:fld id="{8B263312-38AA-4E1E-B2B5-0F8F122B24FE}" type="slidenum">
-              <a:rPr lang="en-US" smtClean="0"/>
-              <a:pPr/>
-              <a:t>20</a:t>
-            </a:fld>
-            <a:endParaRPr lang="en-US" dirty="0"/>
-          </a:p>
-        </p:txBody>
-      </p:sp>
-      <p:sp>
-        <p:nvSpPr>
-          <p:cNvPr id="6" name="Footer Placeholder 5"/>
-          <p:cNvSpPr>
-            <a:spLocks noGrp="1"/>
-          </p:cNvSpPr>
-          <p:nvPr>
-            <p:ph type="ftr" sz="quarter" idx="13"/>
-          </p:nvPr>
-        </p:nvSpPr>
-        <p:spPr/>
-        <p:txBody>
-          <a:bodyPr/>
-          <a:lstStyle/>
-          <a:p>
-            <a:pPr defTabSz="914099" eaLnBrk="0" hangingPunct="0"/>
-            <a:r>
-              <a:rPr lang="en-US" sz="400">
-                <a:gradFill>
-                  <a:gsLst>
-                    <a:gs pos="0">
-                      <a:prstClr val="black"/>
-                    </a:gs>
-                    <a:gs pos="100000">
-                      <a:prstClr val="black"/>
-                    </a:gs>
-                  </a:gsLst>
-                  <a:lin ang="5400000" scaled="0"/>
-                </a:gradFill>
-                <a:latin typeface="Segoe UI" pitchFamily="34" charset="0"/>
-                <a:ea typeface="Segoe UI" pitchFamily="34" charset="0"/>
-                <a:cs typeface="Segoe UI" pitchFamily="34" charset="0"/>
-              </a:rPr>
-              <a:t>© Microsoft Corporation. All rights reserved. MICROSOFT MAKES NO WARRANTIES, EXPRESS, IMPLIED OR STATUTORY, AS TO THE INFORMATION IN THIS PRESENTATION.</a:t>
-            </a:r>
-            <a:endParaRPr lang="en-US" sz="400" dirty="0">
-              <a:gradFill>
-                <a:gsLst>
-                  <a:gs pos="0">
-                    <a:prstClr val="black"/>
-                  </a:gs>
-                  <a:gs pos="100000">
-                    <a:prstClr val="black"/>
-                  </a:gs>
-                </a:gsLst>
-                <a:lin ang="5400000" scaled="0"/>
-              </a:gradFill>
-              <a:latin typeface="Segoe UI" pitchFamily="34" charset="0"/>
-              <a:ea typeface="Segoe UI" pitchFamily="34" charset="0"/>
-              <a:cs typeface="Segoe UI" pitchFamily="34" charset="0"/>
-            </a:endParaRPr>
-          </a:p>
-        </p:txBody>
-      </p:sp>
-      <p:sp>
-        <p:nvSpPr>
-          <p:cNvPr id="9" name="Header Placeholder 8"/>
-          <p:cNvSpPr>
-            <a:spLocks noGrp="1"/>
-          </p:cNvSpPr>
-          <p:nvPr>
-            <p:ph type="hdr" sz="quarter" idx="14"/>
-          </p:nvPr>
-        </p:nvSpPr>
-        <p:spPr/>
-        <p:txBody>
-          <a:bodyPr/>
-          <a:lstStyle/>
-          <a:p>
-            <a:endParaRPr lang="en-US" dirty="0"/>
-          </a:p>
-        </p:txBody>
-      </p:sp>
-    </p:spTree>
-    <p:extLst>
-      <p:ext uri="{BB962C8B-B14F-4D97-AF65-F5344CB8AC3E}">
-        <p14:creationId xmlns:p14="http://schemas.microsoft.com/office/powerpoint/2010/main" val="2215225009"/>
-      </p:ext>
-    </p:extLst>
-  </p:cSld>
-  <p:clrMapOvr>
-    <a:masterClrMapping/>
-  </p:clrMapOvr>
-</p:notes>
-</file>
-
-<file path=ppt/notesSlides/notesSlide21.xml><?xml version="1.0" encoding="utf-8"?>
-<p:notes xmlns:a="http://schemas.openxmlformats.org/drawingml/2006/main" xmlns:r="http://schemas.openxmlformats.org/officeDocument/2006/relationships" xmlns:p="http://schemas.openxmlformats.org/presentationml/2006/main">
-  <p:cSld>
-    <p:spTree>
-      <p:nvGrpSpPr>
-        <p:cNvPr id="1" name=""/>
-        <p:cNvGrpSpPr/>
-        <p:nvPr/>
-      </p:nvGrpSpPr>
-      <p:grpSpPr>
-        <a:xfrm>
-          <a:off x="0" y="0"/>
-          <a:ext cx="0" cy="0"/>
-          <a:chOff x="0" y="0"/>
-          <a:chExt cx="0" cy="0"/>
-        </a:xfrm>
-      </p:grpSpPr>
-      <p:sp>
-        <p:nvSpPr>
-          <p:cNvPr id="2" name="Slide Image Placeholder 1"/>
-          <p:cNvSpPr>
-            <a:spLocks noGrp="1" noRot="1" noChangeAspect="1"/>
-          </p:cNvSpPr>
-          <p:nvPr>
-            <p:ph type="sldImg"/>
-          </p:nvPr>
-        </p:nvSpPr>
-        <p:spPr/>
-      </p:sp>
-      <p:sp>
-        <p:nvSpPr>
-          <p:cNvPr id="3" name="Notes Placeholder 2"/>
-          <p:cNvSpPr>
-            <a:spLocks noGrp="1"/>
-          </p:cNvSpPr>
-          <p:nvPr>
-            <p:ph type="body" idx="1"/>
-          </p:nvPr>
-        </p:nvSpPr>
-        <p:spPr/>
-        <p:txBody>
-          <a:bodyPr/>
-          <a:lstStyle/>
-          <a:p>
-            <a:endParaRPr lang="en-US" dirty="0"/>
-          </a:p>
-        </p:txBody>
-      </p:sp>
-      <p:sp>
-        <p:nvSpPr>
-          <p:cNvPr id="4" name="Header Placeholder 3"/>
-          <p:cNvSpPr>
-            <a:spLocks noGrp="1"/>
-          </p:cNvSpPr>
-          <p:nvPr>
-            <p:ph type="hdr" sz="quarter" idx="10"/>
-          </p:nvPr>
-        </p:nvSpPr>
-        <p:spPr/>
-        <p:txBody>
-          <a:bodyPr/>
-          <a:lstStyle/>
-          <a:p>
-            <a:endParaRPr lang="en-US" dirty="0"/>
-          </a:p>
-        </p:txBody>
-      </p:sp>
-      <p:sp>
-        <p:nvSpPr>
-          <p:cNvPr id="5" name="Footer Placeholder 4"/>
-          <p:cNvSpPr>
-            <a:spLocks noGrp="1"/>
-          </p:cNvSpPr>
-          <p:nvPr>
-            <p:ph type="ftr" sz="quarter" idx="11"/>
-          </p:nvPr>
-        </p:nvSpPr>
-        <p:spPr/>
-        <p:txBody>
-          <a:bodyPr/>
-          <a:lstStyle/>
-          <a:p>
-            <a:pPr defTabSz="914099" eaLnBrk="0" hangingPunct="0"/>
-            <a:r>
-              <a:rPr lang="en-US" sz="400">
-                <a:gradFill>
-                  <a:gsLst>
-                    <a:gs pos="0">
-                      <a:prstClr val="black"/>
-                    </a:gs>
-                    <a:gs pos="100000">
-                      <a:prstClr val="black"/>
-                    </a:gs>
-                  </a:gsLst>
-                  <a:lin ang="5400000" scaled="0"/>
-                </a:gradFill>
-                <a:latin typeface="Segoe UI" pitchFamily="34" charset="0"/>
-                <a:ea typeface="Segoe UI" pitchFamily="34" charset="0"/>
-                <a:cs typeface="Segoe UI" pitchFamily="34" charset="0"/>
-              </a:rPr>
-              <a:t>© Microsoft Corporation. All rights reserved. MICROSOFT MAKES NO WARRANTIES, EXPRESS, IMPLIED OR STATUTORY, AS TO THE INFORMATION IN THIS PRESENTATION.</a:t>
-            </a:r>
-            <a:endParaRPr lang="en-US" sz="400" dirty="0">
-              <a:gradFill>
-                <a:gsLst>
-                  <a:gs pos="0">
-                    <a:prstClr val="black"/>
-                  </a:gs>
-                  <a:gs pos="100000">
-                    <a:prstClr val="black"/>
-                  </a:gs>
-                </a:gsLst>
-                <a:lin ang="5400000" scaled="0"/>
-              </a:gradFill>
-              <a:latin typeface="Segoe UI" pitchFamily="34" charset="0"/>
-              <a:ea typeface="Segoe UI" pitchFamily="34" charset="0"/>
-              <a:cs typeface="Segoe UI" pitchFamily="34" charset="0"/>
-            </a:endParaRPr>
-          </a:p>
-        </p:txBody>
-      </p:sp>
-      <p:sp>
-        <p:nvSpPr>
-          <p:cNvPr id="6" name="Date Placeholder 5"/>
-          <p:cNvSpPr>
-            <a:spLocks noGrp="1"/>
-          </p:cNvSpPr>
-          <p:nvPr>
-            <p:ph type="dt" idx="12"/>
-          </p:nvPr>
-        </p:nvSpPr>
-        <p:spPr/>
-        <p:txBody>
-          <a:bodyPr/>
-          <a:lstStyle/>
-          <a:p>
-            <a:fld id="{B76134C8-AC9E-49DD-B3D6-722B1A93F18D}" type="datetime8">
-              <a:rPr lang="en-US" smtClean="0"/>
-              <a:t>6/10/2019 6:39 PM</a:t>
-            </a:fld>
-            <a:endParaRPr lang="en-US" dirty="0"/>
-          </a:p>
-        </p:txBody>
-      </p:sp>
-      <p:sp>
-        <p:nvSpPr>
-          <p:cNvPr id="7" name="Slide Number Placeholder 6"/>
-          <p:cNvSpPr>
-            <a:spLocks noGrp="1"/>
-          </p:cNvSpPr>
-          <p:nvPr>
-            <p:ph type="sldNum" sz="quarter" idx="13"/>
-          </p:nvPr>
-        </p:nvSpPr>
-        <p:spPr/>
-        <p:txBody>
-          <a:bodyPr/>
-          <a:lstStyle/>
-          <a:p>
-            <a:fld id="{B4008EB6-D09E-4580-8CD6-DDB14511944F}" type="slidenum">
-              <a:rPr lang="en-US" smtClean="0"/>
-              <a:pPr/>
-              <a:t>21</a:t>
-            </a:fld>
-            <a:endParaRPr lang="en-US" dirty="0"/>
-          </a:p>
-        </p:txBody>
-      </p:sp>
-    </p:spTree>
-    <p:extLst>
-      <p:ext uri="{BB962C8B-B14F-4D97-AF65-F5344CB8AC3E}">
-        <p14:creationId xmlns:p14="http://schemas.microsoft.com/office/powerpoint/2010/main" val="3547892515"/>
-      </p:ext>
-    </p:extLst>
-  </p:cSld>
-  <p:clrMapOvr>
-    <a:masterClrMapping/>
-  </p:clrMapOvr>
-</p:notes>
-</file>
-
-<file path=ppt/notesSlides/notesSlide22.xml><?xml version="1.0" encoding="utf-8"?>
-<p:notes xmlns:a="http://schemas.openxmlformats.org/drawingml/2006/main" xmlns:r="http://schemas.openxmlformats.org/officeDocument/2006/relationships" xmlns:p="http://schemas.openxmlformats.org/presentationml/2006/main">
-  <p:cSld>
-    <p:spTree>
-      <p:nvGrpSpPr>
-        <p:cNvPr id="1" name=""/>
-        <p:cNvGrpSpPr/>
-        <p:nvPr/>
-      </p:nvGrpSpPr>
-      <p:grpSpPr>
-        <a:xfrm>
-          <a:off x="0" y="0"/>
-          <a:ext cx="0" cy="0"/>
-          <a:chOff x="0" y="0"/>
-          <a:chExt cx="0" cy="0"/>
-        </a:xfrm>
-      </p:grpSpPr>
-      <p:sp>
-        <p:nvSpPr>
-          <p:cNvPr id="2" name="Slide Image Placeholder 1"/>
-          <p:cNvSpPr>
-            <a:spLocks noGrp="1" noRot="1" noChangeAspect="1"/>
-          </p:cNvSpPr>
-          <p:nvPr>
-            <p:ph type="sldImg"/>
-          </p:nvPr>
-        </p:nvSpPr>
-        <p:spPr/>
-      </p:sp>
-      <p:sp>
-        <p:nvSpPr>
-          <p:cNvPr id="3" name="Notes Placeholder 2"/>
-          <p:cNvSpPr>
-            <a:spLocks noGrp="1"/>
-          </p:cNvSpPr>
-          <p:nvPr>
-            <p:ph type="body" idx="1"/>
-          </p:nvPr>
-        </p:nvSpPr>
-        <p:spPr/>
-        <p:txBody>
-          <a:bodyPr/>
-          <a:lstStyle/>
-          <a:p>
-            <a:endParaRPr lang="en-US"/>
-          </a:p>
-        </p:txBody>
-      </p:sp>
-      <p:sp>
-        <p:nvSpPr>
-          <p:cNvPr id="4" name="Header Placeholder 3"/>
-          <p:cNvSpPr>
-            <a:spLocks noGrp="1"/>
-          </p:cNvSpPr>
-          <p:nvPr>
-            <p:ph type="hdr" sz="quarter" idx="10"/>
-          </p:nvPr>
-        </p:nvSpPr>
-        <p:spPr/>
-        <p:txBody>
-          <a:bodyPr/>
-          <a:lstStyle/>
-          <a:p>
-            <a:endParaRPr lang="en-US" dirty="0"/>
-          </a:p>
-        </p:txBody>
-      </p:sp>
-      <p:sp>
-        <p:nvSpPr>
-          <p:cNvPr id="5" name="Footer Placeholder 4"/>
-          <p:cNvSpPr>
-            <a:spLocks noGrp="1"/>
-          </p:cNvSpPr>
-          <p:nvPr>
-            <p:ph type="ftr" sz="quarter" idx="11"/>
-          </p:nvPr>
-        </p:nvSpPr>
-        <p:spPr/>
-        <p:txBody>
-          <a:bodyPr/>
-          <a:lstStyle/>
-          <a:p>
-            <a:pPr defTabSz="914099" eaLnBrk="0" hangingPunct="0"/>
-            <a:r>
-              <a:rPr lang="en-US" sz="400">
-                <a:gradFill>
-                  <a:gsLst>
-                    <a:gs pos="0">
-                      <a:prstClr val="black"/>
-                    </a:gs>
-                    <a:gs pos="100000">
-                      <a:prstClr val="black"/>
-                    </a:gs>
-                  </a:gsLst>
-                  <a:lin ang="5400000" scaled="0"/>
-                </a:gradFill>
-                <a:latin typeface="Segoe UI" pitchFamily="34" charset="0"/>
-                <a:ea typeface="Segoe UI" pitchFamily="34" charset="0"/>
-                <a:cs typeface="Segoe UI" pitchFamily="34" charset="0"/>
-              </a:rPr>
-              <a:t>© Microsoft Corporation. All rights reserved. MICROSOFT MAKES NO WARRANTIES, EXPRESS, IMPLIED OR STATUTORY, AS TO THE INFORMATION IN THIS PRESENTATION.</a:t>
-            </a:r>
-            <a:endParaRPr lang="en-US" sz="400" dirty="0">
-              <a:gradFill>
-                <a:gsLst>
-                  <a:gs pos="0">
-                    <a:prstClr val="black"/>
-                  </a:gs>
-                  <a:gs pos="100000">
-                    <a:prstClr val="black"/>
-                  </a:gs>
-                </a:gsLst>
-                <a:lin ang="5400000" scaled="0"/>
-              </a:gradFill>
-              <a:latin typeface="Segoe UI" pitchFamily="34" charset="0"/>
-              <a:ea typeface="Segoe UI" pitchFamily="34" charset="0"/>
-              <a:cs typeface="Segoe UI" pitchFamily="34" charset="0"/>
-            </a:endParaRPr>
-          </a:p>
-        </p:txBody>
-      </p:sp>
-      <p:sp>
-        <p:nvSpPr>
-          <p:cNvPr id="6" name="Date Placeholder 5"/>
-          <p:cNvSpPr>
-            <a:spLocks noGrp="1"/>
-          </p:cNvSpPr>
-          <p:nvPr>
-            <p:ph type="dt" idx="12"/>
-          </p:nvPr>
-        </p:nvSpPr>
-        <p:spPr/>
-        <p:txBody>
-          <a:bodyPr/>
-          <a:lstStyle/>
-          <a:p>
-            <a:fld id="{34FAA446-E61B-4D43-A3B1-7749AA6DC131}" type="datetime8">
-              <a:rPr lang="en-US" smtClean="0"/>
-              <a:t>6/10/2019 6:39 PM</a:t>
-            </a:fld>
-            <a:endParaRPr lang="en-US" dirty="0"/>
-          </a:p>
-        </p:txBody>
-      </p:sp>
-      <p:sp>
-        <p:nvSpPr>
-          <p:cNvPr id="7" name="Slide Number Placeholder 6"/>
-          <p:cNvSpPr>
-            <a:spLocks noGrp="1"/>
-          </p:cNvSpPr>
-          <p:nvPr>
-            <p:ph type="sldNum" sz="quarter" idx="13"/>
-          </p:nvPr>
-        </p:nvSpPr>
-        <p:spPr/>
-        <p:txBody>
-          <a:bodyPr/>
-          <a:lstStyle/>
-          <a:p>
-            <a:fld id="{B4008EB6-D09E-4580-8CD6-DDB14511944F}" type="slidenum">
-              <a:rPr lang="en-US" smtClean="0"/>
-              <a:pPr/>
-              <a:t>22</a:t>
-            </a:fld>
-            <a:endParaRPr lang="en-US" dirty="0"/>
-          </a:p>
-        </p:txBody>
-      </p:sp>
-    </p:spTree>
-    <p:extLst>
-      <p:ext uri="{BB962C8B-B14F-4D97-AF65-F5344CB8AC3E}">
-        <p14:creationId xmlns:p14="http://schemas.microsoft.com/office/powerpoint/2010/main" val="1325077928"/>
-      </p:ext>
-    </p:extLst>
-  </p:cSld>
-  <p:clrMapOvr>
-    <a:masterClrMapping/>
-  </p:clrMapOvr>
-</p:notes>
-</file>
-
-<file path=ppt/notesSlides/notesSlide23.xml><?xml version="1.0" encoding="utf-8"?>
-<p:notes xmlns:a="http://schemas.openxmlformats.org/drawingml/2006/main" xmlns:r="http://schemas.openxmlformats.org/officeDocument/2006/relationships" xmlns:p="http://schemas.openxmlformats.org/presentationml/2006/main">
-  <p:cSld>
-    <p:spTree>
-      <p:nvGrpSpPr>
-        <p:cNvPr id="1" name=""/>
-        <p:cNvGrpSpPr/>
-        <p:nvPr/>
-      </p:nvGrpSpPr>
-      <p:grpSpPr>
-        <a:xfrm>
-          <a:off x="0" y="0"/>
-          <a:ext cx="0" cy="0"/>
-          <a:chOff x="0" y="0"/>
-          <a:chExt cx="0" cy="0"/>
-        </a:xfrm>
-      </p:grpSpPr>
-      <p:sp>
-        <p:nvSpPr>
-          <p:cNvPr id="2" name="Slide Image Placeholder 1"/>
-          <p:cNvSpPr>
-            <a:spLocks noGrp="1" noRot="1" noChangeAspect="1"/>
-          </p:cNvSpPr>
-          <p:nvPr>
-            <p:ph type="sldImg"/>
-          </p:nvPr>
-        </p:nvSpPr>
-        <p:spPr/>
-      </p:sp>
-      <p:sp>
-        <p:nvSpPr>
-          <p:cNvPr id="3" name="Notes Placeholder 2"/>
-          <p:cNvSpPr>
-            <a:spLocks noGrp="1"/>
-          </p:cNvSpPr>
-          <p:nvPr>
-            <p:ph type="body" idx="1"/>
-          </p:nvPr>
-        </p:nvSpPr>
-        <p:spPr/>
-        <p:txBody>
-          <a:bodyPr/>
-          <a:lstStyle/>
-          <a:p>
-            <a:endParaRPr lang="en-US"/>
-          </a:p>
-        </p:txBody>
-      </p:sp>
-      <p:sp>
-        <p:nvSpPr>
-          <p:cNvPr id="4" name="Header Placeholder 3"/>
-          <p:cNvSpPr>
-            <a:spLocks noGrp="1"/>
-          </p:cNvSpPr>
-          <p:nvPr>
-            <p:ph type="hdr" sz="quarter" idx="10"/>
-          </p:nvPr>
-        </p:nvSpPr>
-        <p:spPr/>
-        <p:txBody>
-          <a:bodyPr/>
-          <a:lstStyle/>
-          <a:p>
-            <a:endParaRPr lang="en-US" dirty="0"/>
-          </a:p>
-        </p:txBody>
-      </p:sp>
-      <p:sp>
-        <p:nvSpPr>
-          <p:cNvPr id="5" name="Footer Placeholder 4"/>
-          <p:cNvSpPr>
-            <a:spLocks noGrp="1"/>
-          </p:cNvSpPr>
-          <p:nvPr>
-            <p:ph type="ftr" sz="quarter" idx="11"/>
-          </p:nvPr>
-        </p:nvSpPr>
-        <p:spPr/>
-        <p:txBody>
-          <a:bodyPr/>
-          <a:lstStyle/>
-          <a:p>
-            <a:pPr defTabSz="914099" eaLnBrk="0" hangingPunct="0"/>
-            <a:r>
-              <a:rPr lang="en-US" sz="400">
-                <a:gradFill>
-                  <a:gsLst>
-                    <a:gs pos="0">
-                      <a:prstClr val="black"/>
-                    </a:gs>
-                    <a:gs pos="100000">
-                      <a:prstClr val="black"/>
-                    </a:gs>
-                  </a:gsLst>
-                  <a:lin ang="5400000" scaled="0"/>
-                </a:gradFill>
-                <a:latin typeface="Segoe UI" pitchFamily="34" charset="0"/>
-                <a:ea typeface="Segoe UI" pitchFamily="34" charset="0"/>
-                <a:cs typeface="Segoe UI" pitchFamily="34" charset="0"/>
-              </a:rPr>
-              <a:t>© Microsoft Corporation. All rights reserved. MICROSOFT MAKES NO WARRANTIES, EXPRESS, IMPLIED OR STATUTORY, AS TO THE INFORMATION IN THIS PRESENTATION.</a:t>
-            </a:r>
-            <a:endParaRPr lang="en-US" sz="400" dirty="0">
-              <a:gradFill>
-                <a:gsLst>
-                  <a:gs pos="0">
-                    <a:prstClr val="black"/>
-                  </a:gs>
-                  <a:gs pos="100000">
-                    <a:prstClr val="black"/>
-                  </a:gs>
-                </a:gsLst>
-                <a:lin ang="5400000" scaled="0"/>
-              </a:gradFill>
-              <a:latin typeface="Segoe UI" pitchFamily="34" charset="0"/>
-              <a:ea typeface="Segoe UI" pitchFamily="34" charset="0"/>
-              <a:cs typeface="Segoe UI" pitchFamily="34" charset="0"/>
-            </a:endParaRPr>
-          </a:p>
-        </p:txBody>
-      </p:sp>
-      <p:sp>
-        <p:nvSpPr>
-          <p:cNvPr id="6" name="Date Placeholder 5"/>
-          <p:cNvSpPr>
-            <a:spLocks noGrp="1"/>
-          </p:cNvSpPr>
-          <p:nvPr>
-            <p:ph type="dt" idx="12"/>
-          </p:nvPr>
-        </p:nvSpPr>
-        <p:spPr/>
-        <p:txBody>
-          <a:bodyPr/>
-          <a:lstStyle/>
-          <a:p>
-            <a:fld id="{F86059B6-667D-4F24-AA48-46C1EA5D9E8E}" type="datetime8">
-              <a:rPr lang="en-US" smtClean="0"/>
-              <a:t>6/10/2019 6:39 PM</a:t>
-            </a:fld>
-            <a:endParaRPr lang="en-US" dirty="0"/>
-          </a:p>
-        </p:txBody>
-      </p:sp>
-      <p:sp>
-        <p:nvSpPr>
-          <p:cNvPr id="7" name="Slide Number Placeholder 6"/>
-          <p:cNvSpPr>
-            <a:spLocks noGrp="1"/>
-          </p:cNvSpPr>
-          <p:nvPr>
-            <p:ph type="sldNum" sz="quarter" idx="13"/>
-          </p:nvPr>
-        </p:nvSpPr>
-        <p:spPr/>
-        <p:txBody>
-          <a:bodyPr/>
-          <a:lstStyle/>
-          <a:p>
-            <a:fld id="{B4008EB6-D09E-4580-8CD6-DDB14511944F}" type="slidenum">
-              <a:rPr lang="en-US" smtClean="0"/>
-              <a:pPr/>
-              <a:t>23</a:t>
-            </a:fld>
-            <a:endParaRPr lang="en-US" dirty="0"/>
-          </a:p>
-        </p:txBody>
-      </p:sp>
-    </p:spTree>
-    <p:extLst>
-      <p:ext uri="{BB962C8B-B14F-4D97-AF65-F5344CB8AC3E}">
-        <p14:creationId xmlns:p14="http://schemas.microsoft.com/office/powerpoint/2010/main" val="1742629459"/>
-      </p:ext>
-    </p:extLst>
-  </p:cSld>
-  <p:clrMapOvr>
-    <a:masterClrMapping/>
-  </p:clrMapOvr>
-</p:notes>
-</file>
-
-<file path=ppt/notesSlides/notesSlide24.xml><?xml version="1.0" encoding="utf-8"?>
-<p:notes xmlns:a="http://schemas.openxmlformats.org/drawingml/2006/main" xmlns:r="http://schemas.openxmlformats.org/officeDocument/2006/relationships" xmlns:p="http://schemas.openxmlformats.org/presentationml/2006/main">
-  <p:cSld>
-    <p:spTree>
-      <p:nvGrpSpPr>
-        <p:cNvPr id="1" name=""/>
-        <p:cNvGrpSpPr/>
-        <p:nvPr/>
-      </p:nvGrpSpPr>
-      <p:grpSpPr>
-        <a:xfrm>
-          <a:off x="0" y="0"/>
-          <a:ext cx="0" cy="0"/>
-          <a:chOff x="0" y="0"/>
-          <a:chExt cx="0" cy="0"/>
-        </a:xfrm>
-      </p:grpSpPr>
-      <p:sp>
-        <p:nvSpPr>
-          <p:cNvPr id="2" name="Slide Image Placeholder 1"/>
-          <p:cNvSpPr>
-            <a:spLocks noGrp="1" noRot="1" noChangeAspect="1"/>
-          </p:cNvSpPr>
-          <p:nvPr>
-            <p:ph type="sldImg"/>
-          </p:nvPr>
-        </p:nvSpPr>
-        <p:spPr/>
-      </p:sp>
-      <p:sp>
-        <p:nvSpPr>
-          <p:cNvPr id="3" name="Notes Placeholder 2"/>
-          <p:cNvSpPr>
-            <a:spLocks noGrp="1"/>
-          </p:cNvSpPr>
-          <p:nvPr>
-            <p:ph type="body" idx="1"/>
-          </p:nvPr>
-        </p:nvSpPr>
-        <p:spPr/>
-        <p:txBody>
-          <a:bodyPr/>
-          <a:lstStyle/>
-          <a:p>
-            <a:endParaRPr lang="en-US" dirty="0"/>
-          </a:p>
-        </p:txBody>
-      </p:sp>
-      <p:sp>
-        <p:nvSpPr>
-          <p:cNvPr id="4" name="Header Placeholder 3"/>
-          <p:cNvSpPr>
-            <a:spLocks noGrp="1"/>
-          </p:cNvSpPr>
-          <p:nvPr>
-            <p:ph type="hdr" sz="quarter" idx="10"/>
-          </p:nvPr>
-        </p:nvSpPr>
-        <p:spPr/>
-        <p:txBody>
-          <a:bodyPr/>
-          <a:lstStyle/>
-          <a:p>
-            <a:endParaRPr lang="en-US" dirty="0"/>
-          </a:p>
-        </p:txBody>
-      </p:sp>
-      <p:sp>
-        <p:nvSpPr>
-          <p:cNvPr id="5" name="Footer Placeholder 4"/>
-          <p:cNvSpPr>
-            <a:spLocks noGrp="1"/>
-          </p:cNvSpPr>
-          <p:nvPr>
-            <p:ph type="ftr" sz="quarter" idx="11"/>
-          </p:nvPr>
-        </p:nvSpPr>
-        <p:spPr/>
-        <p:txBody>
-          <a:bodyPr/>
-          <a:lstStyle/>
-          <a:p>
-            <a:pPr defTabSz="914099" eaLnBrk="0" hangingPunct="0"/>
-            <a:r>
-              <a:rPr lang="en-US" sz="400">
-                <a:gradFill>
-                  <a:gsLst>
-                    <a:gs pos="0">
-                      <a:prstClr val="black"/>
-                    </a:gs>
-                    <a:gs pos="100000">
-                      <a:prstClr val="black"/>
-                    </a:gs>
-                  </a:gsLst>
-                  <a:lin ang="5400000" scaled="0"/>
-                </a:gradFill>
-                <a:latin typeface="Segoe UI" pitchFamily="34" charset="0"/>
-                <a:ea typeface="Segoe UI" pitchFamily="34" charset="0"/>
-                <a:cs typeface="Segoe UI" pitchFamily="34" charset="0"/>
-              </a:rPr>
-              <a:t>© Microsoft Corporation. All rights reserved. MICROSOFT MAKES NO WARRANTIES, EXPRESS, IMPLIED OR STATUTORY, AS TO THE INFORMATION IN THIS PRESENTATION.</a:t>
-            </a:r>
-            <a:endParaRPr lang="en-US" sz="400" dirty="0">
-              <a:gradFill>
-                <a:gsLst>
-                  <a:gs pos="0">
-                    <a:prstClr val="black"/>
-                  </a:gs>
-                  <a:gs pos="100000">
-                    <a:prstClr val="black"/>
-                  </a:gs>
-                </a:gsLst>
-                <a:lin ang="5400000" scaled="0"/>
-              </a:gradFill>
-              <a:latin typeface="Segoe UI" pitchFamily="34" charset="0"/>
-              <a:ea typeface="Segoe UI" pitchFamily="34" charset="0"/>
-              <a:cs typeface="Segoe UI" pitchFamily="34" charset="0"/>
-            </a:endParaRPr>
-          </a:p>
-        </p:txBody>
-      </p:sp>
-      <p:sp>
-        <p:nvSpPr>
-          <p:cNvPr id="6" name="Date Placeholder 5"/>
-          <p:cNvSpPr>
-            <a:spLocks noGrp="1"/>
-          </p:cNvSpPr>
-          <p:nvPr>
-            <p:ph type="dt" idx="12"/>
-          </p:nvPr>
-        </p:nvSpPr>
-        <p:spPr/>
-        <p:txBody>
-          <a:bodyPr/>
-          <a:lstStyle/>
-          <a:p>
-            <a:fld id="{35A2D088-BDBD-41A5-ADCE-5C6A4DC08057}" type="datetime8">
-              <a:rPr lang="en-US" smtClean="0"/>
-              <a:t>6/10/2019 6:39 PM</a:t>
-            </a:fld>
-            <a:endParaRPr lang="en-US" dirty="0"/>
-          </a:p>
-        </p:txBody>
-      </p:sp>
-      <p:sp>
-        <p:nvSpPr>
-          <p:cNvPr id="7" name="Slide Number Placeholder 6"/>
-          <p:cNvSpPr>
-            <a:spLocks noGrp="1"/>
-          </p:cNvSpPr>
-          <p:nvPr>
-            <p:ph type="sldNum" sz="quarter" idx="13"/>
-          </p:nvPr>
-        </p:nvSpPr>
-        <p:spPr/>
-        <p:txBody>
-          <a:bodyPr/>
-          <a:lstStyle/>
-          <a:p>
-            <a:fld id="{B4008EB6-D09E-4580-8CD6-DDB14511944F}" type="slidenum">
-              <a:rPr lang="en-US" smtClean="0"/>
-              <a:pPr/>
-              <a:t>24</a:t>
-            </a:fld>
-            <a:endParaRPr lang="en-US" dirty="0"/>
-          </a:p>
-        </p:txBody>
-      </p:sp>
-    </p:spTree>
-    <p:extLst>
-      <p:ext uri="{BB962C8B-B14F-4D97-AF65-F5344CB8AC3E}">
-        <p14:creationId xmlns:p14="http://schemas.microsoft.com/office/powerpoint/2010/main" val="2696667868"/>
-      </p:ext>
-    </p:extLst>
-  </p:cSld>
-  <p:clrMapOvr>
-    <a:masterClrMapping/>
-  </p:clrMapOvr>
-</p:notes>
-</file>
-
-<file path=ppt/notesSlides/notesSlide25.xml><?xml version="1.0" encoding="utf-8"?>
-<p:notes xmlns:a="http://schemas.openxmlformats.org/drawingml/2006/main" xmlns:r="http://schemas.openxmlformats.org/officeDocument/2006/relationships" xmlns:p="http://schemas.openxmlformats.org/presentationml/2006/main">
-  <p:cSld>
-    <p:spTree>
-      <p:nvGrpSpPr>
-        <p:cNvPr id="1" name=""/>
-        <p:cNvGrpSpPr/>
-        <p:nvPr/>
-      </p:nvGrpSpPr>
-      <p:grpSpPr>
-        <a:xfrm>
-          <a:off x="0" y="0"/>
-          <a:ext cx="0" cy="0"/>
-          <a:chOff x="0" y="0"/>
-          <a:chExt cx="0" cy="0"/>
-        </a:xfrm>
-      </p:grpSpPr>
-      <p:sp>
-        <p:nvSpPr>
-          <p:cNvPr id="2" name="Slide Image Placeholder 1"/>
-          <p:cNvSpPr>
-            <a:spLocks noGrp="1" noRot="1" noChangeAspect="1"/>
-          </p:cNvSpPr>
-          <p:nvPr>
-            <p:ph type="sldImg"/>
-          </p:nvPr>
-        </p:nvSpPr>
-        <p:spPr/>
-      </p:sp>
-      <p:sp>
-        <p:nvSpPr>
-          <p:cNvPr id="3" name="Notes Placeholder 2"/>
-          <p:cNvSpPr>
-            <a:spLocks noGrp="1"/>
-          </p:cNvSpPr>
-          <p:nvPr>
-            <p:ph type="body" idx="1"/>
-          </p:nvPr>
-        </p:nvSpPr>
-        <p:spPr/>
-        <p:txBody>
-          <a:bodyPr/>
-          <a:lstStyle/>
-          <a:p>
-            <a:endParaRPr lang="en-US" dirty="0"/>
-          </a:p>
-        </p:txBody>
-      </p:sp>
-      <p:sp>
-        <p:nvSpPr>
-          <p:cNvPr id="6" name="Slide Number Placeholder 5"/>
-          <p:cNvSpPr>
-            <a:spLocks noGrp="1"/>
-          </p:cNvSpPr>
-          <p:nvPr>
-            <p:ph type="sldNum" sz="quarter" idx="12"/>
-          </p:nvPr>
-        </p:nvSpPr>
-        <p:spPr/>
-        <p:txBody>
-          <a:bodyPr/>
-          <a:lstStyle/>
-          <a:p>
-            <a:fld id="{B4008EB6-D09E-4580-8CD6-DDB14511944F}" type="slidenum">
-              <a:rPr lang="en-US" smtClean="0"/>
-              <a:pPr/>
-              <a:t>25</a:t>
-            </a:fld>
-            <a:endParaRPr lang="en-US" dirty="0"/>
-          </a:p>
-        </p:txBody>
-      </p:sp>
-      <p:sp>
-        <p:nvSpPr>
-          <p:cNvPr id="10" name="Date Placeholder 9"/>
-          <p:cNvSpPr>
-            <a:spLocks noGrp="1"/>
-          </p:cNvSpPr>
-          <p:nvPr>
-            <p:ph type="dt" idx="13"/>
-          </p:nvPr>
-        </p:nvSpPr>
-        <p:spPr/>
-        <p:txBody>
-          <a:bodyPr/>
-          <a:lstStyle/>
-          <a:p>
-            <a:fld id="{174E4CE6-2FE4-433F-87B8-CB5DD266EBFC}" type="datetime8">
-              <a:rPr lang="en-US" smtClean="0"/>
-              <a:t>6/10/2019 6:39 PM</a:t>
-            </a:fld>
-            <a:endParaRPr lang="en-US" dirty="0"/>
-          </a:p>
-        </p:txBody>
-      </p:sp>
-      <p:sp>
-        <p:nvSpPr>
-          <p:cNvPr id="4" name="Footer Placeholder 3"/>
-          <p:cNvSpPr>
-            <a:spLocks noGrp="1"/>
-          </p:cNvSpPr>
-          <p:nvPr>
-            <p:ph type="ftr" sz="quarter" idx="14"/>
-          </p:nvPr>
-        </p:nvSpPr>
-        <p:spPr/>
-        <p:txBody>
-          <a:bodyPr/>
-          <a:lstStyle/>
-          <a:p>
-            <a:pPr defTabSz="914099" eaLnBrk="0" hangingPunct="0"/>
-            <a:r>
-              <a:rPr lang="en-US" sz="400">
-                <a:gradFill>
-                  <a:gsLst>
-                    <a:gs pos="0">
-                      <a:prstClr val="black"/>
-                    </a:gs>
-                    <a:gs pos="100000">
-                      <a:prstClr val="black"/>
-                    </a:gs>
-                  </a:gsLst>
-                  <a:lin ang="5400000" scaled="0"/>
-                </a:gradFill>
-                <a:latin typeface="Segoe UI" pitchFamily="34" charset="0"/>
-                <a:ea typeface="Segoe UI" pitchFamily="34" charset="0"/>
-                <a:cs typeface="Segoe UI" pitchFamily="34" charset="0"/>
-              </a:rPr>
-              <a:t>© Microsoft Corporation. All rights reserved. MICROSOFT MAKES NO WARRANTIES, EXPRESS, IMPLIED OR STATUTORY, AS TO THE INFORMATION IN THIS PRESENTATION.</a:t>
-            </a:r>
-            <a:endParaRPr lang="en-US" sz="400" dirty="0">
-              <a:gradFill>
-                <a:gsLst>
-                  <a:gs pos="0">
-                    <a:prstClr val="black"/>
-                  </a:gs>
-                  <a:gs pos="100000">
-                    <a:prstClr val="black"/>
-                  </a:gs>
-                </a:gsLst>
-                <a:lin ang="5400000" scaled="0"/>
-              </a:gradFill>
-              <a:latin typeface="Segoe UI" pitchFamily="34" charset="0"/>
-              <a:ea typeface="Segoe UI" pitchFamily="34" charset="0"/>
-              <a:cs typeface="Segoe UI" pitchFamily="34" charset="0"/>
-            </a:endParaRPr>
-          </a:p>
-        </p:txBody>
-      </p:sp>
-      <p:sp>
-        <p:nvSpPr>
-          <p:cNvPr id="5" name="Header Placeholder 4"/>
-          <p:cNvSpPr>
-            <a:spLocks noGrp="1"/>
-          </p:cNvSpPr>
-          <p:nvPr>
-            <p:ph type="hdr" sz="quarter" idx="15"/>
-          </p:nvPr>
-        </p:nvSpPr>
-        <p:spPr/>
-        <p:txBody>
-          <a:bodyPr/>
-          <a:lstStyle/>
-          <a:p>
-            <a:endParaRPr lang="en-US" dirty="0"/>
-          </a:p>
-        </p:txBody>
-      </p:sp>
-    </p:spTree>
-    <p:extLst>
-      <p:ext uri="{BB962C8B-B14F-4D97-AF65-F5344CB8AC3E}">
-        <p14:creationId xmlns:p14="http://schemas.microsoft.com/office/powerpoint/2010/main" val="4230932213"/>
-      </p:ext>
-    </p:extLst>
-  </p:cSld>
-  <p:clrMapOvr>
-    <a:masterClrMapping/>
-  </p:clrMapOvr>
-</p:notes>
-</file>
-
-<file path=ppt/notesSlides/notesSlide26.xml><?xml version="1.0" encoding="utf-8"?>
-<p:notes xmlns:a="http://schemas.openxmlformats.org/drawingml/2006/main" xmlns:r="http://schemas.openxmlformats.org/officeDocument/2006/relationships" xmlns:p="http://schemas.openxmlformats.org/presentationml/2006/main">
-  <p:cSld>
-    <p:spTree>
-      <p:nvGrpSpPr>
-        <p:cNvPr id="1" name=""/>
-        <p:cNvGrpSpPr/>
-        <p:nvPr/>
-      </p:nvGrpSpPr>
-      <p:grpSpPr>
-        <a:xfrm>
-          <a:off x="0" y="0"/>
-          <a:ext cx="0" cy="0"/>
-          <a:chOff x="0" y="0"/>
-          <a:chExt cx="0" cy="0"/>
-        </a:xfrm>
-      </p:grpSpPr>
-      <p:sp>
-        <p:nvSpPr>
-          <p:cNvPr id="2" name="Slide Image Placeholder 1"/>
-          <p:cNvSpPr>
-            <a:spLocks noGrp="1" noRot="1" noChangeAspect="1"/>
-          </p:cNvSpPr>
-          <p:nvPr>
-            <p:ph type="sldImg"/>
-          </p:nvPr>
-        </p:nvSpPr>
-        <p:spPr>
-          <a:xfrm>
-            <a:off x="381000" y="685800"/>
-            <a:ext cx="6096000" cy="3429000"/>
-          </a:xfrm>
-        </p:spPr>
-      </p:sp>
-      <p:sp>
-        <p:nvSpPr>
-          <p:cNvPr id="3" name="Notes Placeholder 2"/>
-          <p:cNvSpPr>
-            <a:spLocks noGrp="1"/>
-          </p:cNvSpPr>
-          <p:nvPr>
-            <p:ph type="body" idx="1"/>
-          </p:nvPr>
-        </p:nvSpPr>
-        <p:spPr/>
-        <p:txBody>
-          <a:bodyPr>
-            <a:normAutofit/>
-          </a:bodyPr>
-          <a:lstStyle/>
-          <a:p>
-            <a:endParaRPr lang="en-US" dirty="0"/>
-          </a:p>
-        </p:txBody>
-      </p:sp>
-      <p:sp>
-        <p:nvSpPr>
-          <p:cNvPr id="4" name="Header Placeholder 3"/>
-          <p:cNvSpPr>
-            <a:spLocks noGrp="1"/>
-          </p:cNvSpPr>
-          <p:nvPr>
-            <p:ph type="hdr" sz="quarter" idx="10"/>
-          </p:nvPr>
-        </p:nvSpPr>
-        <p:spPr>
-          <a:xfrm>
-            <a:off x="0" y="0"/>
-            <a:ext cx="2971800" cy="457200"/>
-          </a:xfrm>
-          <a:prstGeom prst="rect">
-            <a:avLst/>
-          </a:prstGeom>
-        </p:spPr>
-        <p:txBody>
-          <a:bodyPr/>
-          <a:lstStyle/>
-          <a:p>
-            <a:endParaRPr lang="en-US" dirty="0">
-              <a:solidFill>
-                <a:prstClr val="black"/>
-              </a:solidFill>
-            </a:endParaRPr>
-          </a:p>
-        </p:txBody>
-      </p:sp>
-      <p:sp>
-        <p:nvSpPr>
-          <p:cNvPr id="5" name="Date Placeholder 4"/>
-          <p:cNvSpPr>
-            <a:spLocks noGrp="1"/>
-          </p:cNvSpPr>
-          <p:nvPr>
-            <p:ph type="dt" idx="11"/>
-          </p:nvPr>
-        </p:nvSpPr>
-        <p:spPr/>
-        <p:txBody>
-          <a:bodyPr/>
-          <a:lstStyle/>
-          <a:p>
-            <a:fld id="{ED16B1EF-9462-406A-AECC-672A87EF37F1}" type="datetime8">
-              <a:rPr lang="en-US" smtClean="0">
-                <a:solidFill>
-                  <a:prstClr val="black"/>
-                </a:solidFill>
-              </a:rPr>
-              <a:t>6/10/2019 6:39 PM</a:t>
-            </a:fld>
-            <a:endParaRPr lang="en-US" dirty="0">
-              <a:solidFill>
-                <a:prstClr val="black"/>
-              </a:solidFill>
-            </a:endParaRPr>
-          </a:p>
-        </p:txBody>
-      </p:sp>
-      <p:sp>
-        <p:nvSpPr>
-          <p:cNvPr id="7" name="Slide Number Placeholder 6"/>
-          <p:cNvSpPr>
-            <a:spLocks noGrp="1"/>
-          </p:cNvSpPr>
-          <p:nvPr>
-            <p:ph type="sldNum" sz="quarter" idx="13"/>
-          </p:nvPr>
-        </p:nvSpPr>
-        <p:spPr/>
-        <p:txBody>
-          <a:bodyPr/>
-          <a:lstStyle/>
-          <a:p>
-            <a:fld id="{EC87E0CF-87F6-4B58-B8B8-DCAB2DAAF3CA}" type="slidenum">
-              <a:rPr lang="en-US" smtClean="0">
-                <a:solidFill>
-                  <a:prstClr val="black"/>
-                </a:solidFill>
-              </a:rPr>
-              <a:pPr/>
-              <a:t>26</a:t>
-            </a:fld>
-            <a:endParaRPr lang="en-US" dirty="0">
-              <a:solidFill>
-                <a:prstClr val="black"/>
-              </a:solidFill>
-            </a:endParaRPr>
-          </a:p>
-        </p:txBody>
-      </p:sp>
-      <p:sp>
-        <p:nvSpPr>
-          <p:cNvPr id="6" name="Footer Placeholder 5"/>
-          <p:cNvSpPr>
-            <a:spLocks noGrp="1"/>
-          </p:cNvSpPr>
-          <p:nvPr>
-            <p:ph type="ftr" sz="quarter" idx="14"/>
-          </p:nvPr>
-        </p:nvSpPr>
-        <p:spPr/>
-        <p:txBody>
-          <a:bodyPr/>
-          <a:lstStyle/>
-          <a:p>
-            <a:pPr defTabSz="914099" eaLnBrk="0" hangingPunct="0"/>
-            <a:r>
-              <a:rPr lang="en-US" sz="400">
-                <a:gradFill>
-                  <a:gsLst>
-                    <a:gs pos="0">
-                      <a:prstClr val="black"/>
-                    </a:gs>
-                    <a:gs pos="100000">
-                      <a:prstClr val="black"/>
-                    </a:gs>
-                  </a:gsLst>
-                  <a:lin ang="5400000" scaled="0"/>
-                </a:gradFill>
-                <a:latin typeface="Segoe UI" pitchFamily="34" charset="0"/>
-                <a:ea typeface="Segoe UI" pitchFamily="34" charset="0"/>
-                <a:cs typeface="Segoe UI" pitchFamily="34" charset="0"/>
-              </a:rPr>
-              <a:t>© Microsoft Corporation. All rights reserved. MICROSOFT MAKES NO WARRANTIES, EXPRESS, IMPLIED OR STATUTORY, AS TO THE INFORMATION IN THIS PRESENTATION.</a:t>
-            </a:r>
-            <a:endParaRPr lang="en-US" sz="400" dirty="0">
-              <a:gradFill>
-                <a:gsLst>
-                  <a:gs pos="0">
-                    <a:prstClr val="black"/>
-                  </a:gs>
-                  <a:gs pos="100000">
-                    <a:prstClr val="black"/>
-                  </a:gs>
-                </a:gsLst>
-                <a:lin ang="5400000" scaled="0"/>
-              </a:gradFill>
-              <a:latin typeface="Segoe UI" pitchFamily="34" charset="0"/>
-              <a:ea typeface="Segoe UI" pitchFamily="34" charset="0"/>
-              <a:cs typeface="Segoe UI" pitchFamily="34" charset="0"/>
-            </a:endParaRPr>
-          </a:p>
-        </p:txBody>
-      </p:sp>
-    </p:spTree>
-    <p:extLst>
-      <p:ext uri="{BB962C8B-B14F-4D97-AF65-F5344CB8AC3E}">
-        <p14:creationId xmlns:p14="http://schemas.microsoft.com/office/powerpoint/2010/main" val="2000989474"/>
       </p:ext>
     </p:extLst>
   </p:cSld>
@@ -4415,327 +2708,6 @@
 </file>
 
 <file path=ppt/slideLayouts/slideLayout11.xml><?xml version="1.0" encoding="utf-8"?>
-<p:sldLayout xmlns:a="http://schemas.openxmlformats.org/drawingml/2006/main" xmlns:r="http://schemas.openxmlformats.org/officeDocument/2006/relationships" xmlns:p="http://schemas.openxmlformats.org/presentationml/2006/main" userDrawn="1">
-  <p:cSld name="Black Notes slide Layout">
-    <p:bg bwMode="black">
-      <p:bgPr>
-        <a:solidFill>
-          <a:srgbClr val="000000"/>
-        </a:solidFill>
-        <a:effectLst/>
-      </p:bgPr>
-    </p:bg>
-    <p:spTree>
-      <p:nvGrpSpPr>
-        <p:cNvPr id="1" name=""/>
-        <p:cNvGrpSpPr/>
-        <p:nvPr/>
-      </p:nvGrpSpPr>
-      <p:grpSpPr>
-        <a:xfrm>
-          <a:off x="0" y="0"/>
-          <a:ext cx="0" cy="0"/>
-          <a:chOff x="0" y="0"/>
-          <a:chExt cx="0" cy="0"/>
-        </a:xfrm>
-      </p:grpSpPr>
-      <p:sp>
-        <p:nvSpPr>
-          <p:cNvPr id="6" name="Text Placeholder 5"/>
-          <p:cNvSpPr>
-            <a:spLocks noGrp="1"/>
-          </p:cNvSpPr>
-          <p:nvPr>
-            <p:ph type="body" sz="quarter" idx="10" hasCustomPrompt="1"/>
-          </p:nvPr>
-        </p:nvSpPr>
-        <p:spPr bwMode="white">
-          <a:xfrm>
-            <a:off x="269239" y="1189177"/>
-            <a:ext cx="11653523" cy="2396047"/>
-          </a:xfrm>
-          <a:prstGeom prst="rect">
-            <a:avLst/>
-          </a:prstGeom>
-        </p:spPr>
-        <p:txBody>
-          <a:bodyPr/>
-          <a:lstStyle>
-            <a:lvl1pPr marL="284790" indent="-284790">
-              <a:buClr>
-                <a:schemeClr val="tx1"/>
-              </a:buClr>
-              <a:buSzPct val="90000"/>
-              <a:buFont typeface="Arial" pitchFamily="34" charset="0"/>
-              <a:buChar char="•"/>
-              <a:defRPr sz="3529">
-                <a:gradFill>
-                  <a:gsLst>
-                    <a:gs pos="1250">
-                      <a:schemeClr val="tx1"/>
-                    </a:gs>
-                    <a:gs pos="100000">
-                      <a:schemeClr val="tx1"/>
-                    </a:gs>
-                  </a:gsLst>
-                  <a:lin ang="5400000" scaled="0"/>
-                </a:gradFill>
-                <a:latin typeface="Segoe UI" pitchFamily="34" charset="0"/>
-                <a:ea typeface="Segoe UI" pitchFamily="34" charset="0"/>
-                <a:cs typeface="Segoe UI" pitchFamily="34" charset="0"/>
-              </a:defRPr>
-            </a:lvl1pPr>
-            <a:lvl2pPr marL="560241" indent="-275453">
-              <a:buClr>
-                <a:schemeClr val="tx1"/>
-              </a:buClr>
-              <a:buSzPct val="90000"/>
-              <a:buFont typeface="Arial" pitchFamily="34" charset="0"/>
-              <a:buChar char="•"/>
-              <a:defRPr sz="3137">
-                <a:gradFill>
-                  <a:gsLst>
-                    <a:gs pos="1250">
-                      <a:schemeClr val="tx1"/>
-                    </a:gs>
-                    <a:gs pos="100000">
-                      <a:schemeClr val="tx1"/>
-                    </a:gs>
-                  </a:gsLst>
-                  <a:lin ang="5400000" scaled="0"/>
-                </a:gradFill>
-                <a:latin typeface="Segoe UI" pitchFamily="34" charset="0"/>
-                <a:ea typeface="Segoe UI" pitchFamily="34" charset="0"/>
-                <a:cs typeface="Segoe UI" pitchFamily="34" charset="0"/>
-              </a:defRPr>
-            </a:lvl2pPr>
-            <a:lvl3pPr marL="845031" indent="-284790">
-              <a:buClr>
-                <a:schemeClr val="tx1"/>
-              </a:buClr>
-              <a:buSzPct val="90000"/>
-              <a:buFont typeface="Arial" pitchFamily="34" charset="0"/>
-              <a:buChar char="•"/>
-              <a:defRPr sz="2745">
-                <a:gradFill>
-                  <a:gsLst>
-                    <a:gs pos="1250">
-                      <a:schemeClr val="tx1"/>
-                    </a:gs>
-                    <a:gs pos="100000">
-                      <a:schemeClr val="tx1"/>
-                    </a:gs>
-                  </a:gsLst>
-                  <a:lin ang="5400000" scaled="0"/>
-                </a:gradFill>
-                <a:latin typeface="Segoe UI" pitchFamily="34" charset="0"/>
-                <a:ea typeface="Segoe UI" pitchFamily="34" charset="0"/>
-                <a:cs typeface="Segoe UI" pitchFamily="34" charset="0"/>
-              </a:defRPr>
-            </a:lvl3pPr>
-            <a:lvl4pPr marL="1069128" indent="-224097">
-              <a:buClr>
-                <a:schemeClr val="tx1"/>
-              </a:buClr>
-              <a:buSzPct val="90000"/>
-              <a:buFont typeface="Arial" pitchFamily="34" charset="0"/>
-              <a:buChar char="•"/>
-              <a:defRPr sz="2353">
-                <a:gradFill>
-                  <a:gsLst>
-                    <a:gs pos="1250">
-                      <a:schemeClr val="tx1"/>
-                    </a:gs>
-                    <a:gs pos="100000">
-                      <a:schemeClr val="tx1"/>
-                    </a:gs>
-                  </a:gsLst>
-                  <a:lin ang="5400000" scaled="0"/>
-                </a:gradFill>
-                <a:latin typeface="Segoe UI" pitchFamily="34" charset="0"/>
-                <a:ea typeface="Segoe UI" pitchFamily="34" charset="0"/>
-                <a:cs typeface="Segoe UI" pitchFamily="34" charset="0"/>
-              </a:defRPr>
-            </a:lvl4pPr>
-            <a:lvl5pPr marL="1293225" indent="-224097">
-              <a:buClr>
-                <a:schemeClr val="tx1"/>
-              </a:buClr>
-              <a:buSzPct val="90000"/>
-              <a:buFont typeface="Arial" pitchFamily="34" charset="0"/>
-              <a:buChar char="•"/>
-              <a:defRPr sz="1961">
-                <a:gradFill>
-                  <a:gsLst>
-                    <a:gs pos="1250">
-                      <a:schemeClr val="tx1"/>
-                    </a:gs>
-                    <a:gs pos="100000">
-                      <a:schemeClr val="tx1"/>
-                    </a:gs>
-                  </a:gsLst>
-                  <a:lin ang="5400000" scaled="0"/>
-                </a:gradFill>
-                <a:latin typeface="Segoe UI" pitchFamily="34" charset="0"/>
-                <a:ea typeface="Segoe UI" pitchFamily="34" charset="0"/>
-                <a:cs typeface="Segoe UI" pitchFamily="34" charset="0"/>
-              </a:defRPr>
-            </a:lvl5pPr>
-          </a:lstStyle>
-          <a:p>
-            <a:pPr lvl="0"/>
-            <a:r>
-              <a:rPr lang="en-US" dirty="0"/>
-              <a:t>Use this Layout for Speaker Notes slides</a:t>
-            </a:r>
-          </a:p>
-          <a:p>
-            <a:pPr lvl="1"/>
-            <a:r>
-              <a:rPr lang="en-US" dirty="0"/>
-              <a:t>Second level</a:t>
-            </a:r>
-          </a:p>
-          <a:p>
-            <a:pPr lvl="2"/>
-            <a:r>
-              <a:rPr lang="en-US" dirty="0"/>
-              <a:t>Third level</a:t>
-            </a:r>
-          </a:p>
-          <a:p>
-            <a:pPr lvl="3"/>
-            <a:r>
-              <a:rPr lang="en-US" dirty="0"/>
-              <a:t>Fourth level</a:t>
-            </a:r>
-          </a:p>
-          <a:p>
-            <a:pPr lvl="4"/>
-            <a:r>
-              <a:rPr lang="en-US" dirty="0"/>
-              <a:t>Fifth level</a:t>
-            </a:r>
-          </a:p>
-        </p:txBody>
-      </p:sp>
-      <p:sp>
-        <p:nvSpPr>
-          <p:cNvPr id="4" name="Text Placeholder 6"/>
-          <p:cNvSpPr>
-            <a:spLocks noGrp="1"/>
-          </p:cNvSpPr>
-          <p:nvPr>
-            <p:ph type="body" sz="quarter" idx="11" hasCustomPrompt="1"/>
-          </p:nvPr>
-        </p:nvSpPr>
-        <p:spPr>
-          <a:xfrm>
-            <a:off x="1" y="6238876"/>
-            <a:ext cx="12192001" cy="619125"/>
-          </a:xfrm>
-          <a:prstGeom prst="rect">
-            <a:avLst/>
-          </a:prstGeom>
-          <a:solidFill>
-            <a:srgbClr val="FFFF99"/>
-          </a:solidFill>
-        </p:spPr>
-        <p:txBody>
-          <a:bodyPr wrap="square" lIns="155457" tIns="77729" rIns="155457" bIns="77729" anchor="b" anchorCtr="0">
-            <a:noAutofit/>
-          </a:bodyPr>
-          <a:lstStyle>
-            <a:lvl1pPr algn="r">
-              <a:buFont typeface="Arial" pitchFamily="34" charset="0"/>
-              <a:buNone/>
-              <a:defRPr sz="3627" spc="-50" baseline="0">
-                <a:gradFill>
-                  <a:gsLst>
-                    <a:gs pos="0">
-                      <a:srgbClr val="000000"/>
-                    </a:gs>
-                    <a:gs pos="100000">
-                      <a:srgbClr val="000000"/>
-                    </a:gs>
-                  </a:gsLst>
-                  <a:lin ang="5400000" scaled="0"/>
-                </a:gradFill>
-                <a:effectLst/>
-                <a:latin typeface="Segoe UI" pitchFamily="34" charset="0"/>
-                <a:ea typeface="Segoe UI" pitchFamily="34" charset="0"/>
-                <a:cs typeface="Segoe UI" pitchFamily="34" charset="0"/>
-              </a:defRPr>
-            </a:lvl1pPr>
-          </a:lstStyle>
-          <a:p>
-            <a:pPr lvl="0"/>
-            <a:r>
-              <a:rPr lang="en-US" dirty="0"/>
-              <a:t>Next:</a:t>
-            </a:r>
-          </a:p>
-        </p:txBody>
-      </p:sp>
-      <p:sp>
-        <p:nvSpPr>
-          <p:cNvPr id="3" name="Title 2"/>
-          <p:cNvSpPr>
-            <a:spLocks noGrp="1"/>
-          </p:cNvSpPr>
-          <p:nvPr>
-            <p:ph type="title"/>
-          </p:nvPr>
-        </p:nvSpPr>
-        <p:spPr bwMode="white"/>
-        <p:txBody>
-          <a:bodyPr/>
-          <a:lstStyle>
-            <a:lvl1pPr>
-              <a:defRPr>
-                <a:gradFill>
-                  <a:gsLst>
-                    <a:gs pos="1250">
-                      <a:schemeClr val="tx1"/>
-                    </a:gs>
-                    <a:gs pos="100000">
-                      <a:schemeClr val="tx1"/>
-                    </a:gs>
-                  </a:gsLst>
-                  <a:lin ang="5400000" scaled="0"/>
-                </a:gradFill>
-                <a:latin typeface="Segoe UI" pitchFamily="34" charset="0"/>
-                <a:ea typeface="Segoe UI" pitchFamily="34" charset="0"/>
-                <a:cs typeface="Segoe UI" pitchFamily="34" charset="0"/>
-              </a:defRPr>
-            </a:lvl1pPr>
-          </a:lstStyle>
-          <a:p>
-            <a:r>
-              <a:rPr lang="en-US"/>
-              <a:t>Click to edit Master title style</a:t>
-            </a:r>
-            <a:endParaRPr lang="en-US" dirty="0"/>
-          </a:p>
-        </p:txBody>
-      </p:sp>
-    </p:spTree>
-    <p:extLst>
-      <p:ext uri="{BB962C8B-B14F-4D97-AF65-F5344CB8AC3E}">
-        <p14:creationId xmlns:p14="http://schemas.microsoft.com/office/powerpoint/2010/main" val="2382111092"/>
-      </p:ext>
-    </p:extLst>
-  </p:cSld>
-  <p:clrMapOvr>
-    <a:masterClrMapping/>
-  </p:clrMapOvr>
-  <p:transition>
-    <p:fade/>
-  </p:transition>
-</p:sldLayout>
-</file>
-
-<file path=ppt/slideLayouts/slideLayout12.xml><?xml version="1.0" encoding="utf-8"?>
 <p:sldLayout xmlns:a="http://schemas.openxmlformats.org/drawingml/2006/main" xmlns:r="http://schemas.openxmlformats.org/officeDocument/2006/relationships" xmlns:p="http://schemas.openxmlformats.org/presentationml/2006/main" userDrawn="1">
   <p:cSld name="Closing logo slide">
     <p:bg>
@@ -6137,7 +4109,7 @@
 </p:sldLayout>
 </file>
 
-<file path=ppt/slideLayouts/slideLayout13.xml><?xml version="1.0" encoding="utf-8"?>
+<file path=ppt/slideLayouts/slideLayout12.xml><?xml version="1.0" encoding="utf-8"?>
 <p:sldLayout xmlns:a="http://schemas.openxmlformats.org/drawingml/2006/main" xmlns:r="http://schemas.openxmlformats.org/officeDocument/2006/relationships" xmlns:p="http://schemas.openxmlformats.org/presentationml/2006/main" preserve="1" userDrawn="1">
   <p:cSld name="3_Title Microsoft Cloud Workshop">
     <p:bg>
@@ -8757,7 +6729,7 @@
 </p:sldLayout>
 </file>
 
-<file path=ppt/slideLayouts/slideLayout14.xml><?xml version="1.0" encoding="utf-8"?>
+<file path=ppt/slideLayouts/slideLayout13.xml><?xml version="1.0" encoding="utf-8"?>
 <p:sldLayout xmlns:a="http://schemas.openxmlformats.org/drawingml/2006/main" xmlns:r="http://schemas.openxmlformats.org/officeDocument/2006/relationships" xmlns:p="http://schemas.openxmlformats.org/presentationml/2006/main" preserve="1" userDrawn="1">
   <p:cSld name="2_Title Slide">
     <p:bg>
@@ -10217,7 +8189,7 @@
 </p:sldLayout>
 </file>
 
-<file path=ppt/slideLayouts/slideLayout15.xml><?xml version="1.0" encoding="utf-8"?>
+<file path=ppt/slideLayouts/slideLayout14.xml><?xml version="1.0" encoding="utf-8"?>
 <p:sldLayout xmlns:a="http://schemas.openxmlformats.org/drawingml/2006/main" xmlns:r="http://schemas.openxmlformats.org/officeDocument/2006/relationships" xmlns:p="http://schemas.openxmlformats.org/presentationml/2006/main" preserve="1" userDrawn="1">
   <p:cSld name="Title &amp; Non-bulleted text">
     <p:spTree>
@@ -10363,7 +8335,7 @@
 </p:sldLayout>
 </file>
 
-<file path=ppt/slideLayouts/slideLayout16.xml><?xml version="1.0" encoding="utf-8"?>
+<file path=ppt/slideLayouts/slideLayout15.xml><?xml version="1.0" encoding="utf-8"?>
 <p:sldLayout xmlns:a="http://schemas.openxmlformats.org/drawingml/2006/main" xmlns:r="http://schemas.openxmlformats.org/officeDocument/2006/relationships" xmlns:p="http://schemas.openxmlformats.org/presentationml/2006/main" preserve="1" userDrawn="1">
   <p:cSld name="Title and Content">
     <p:spTree>
@@ -10480,7 +8452,7 @@
 </p:sldLayout>
 </file>
 
-<file path=ppt/slideLayouts/slideLayout17.xml><?xml version="1.0" encoding="utf-8"?>
+<file path=ppt/slideLayouts/slideLayout16.xml><?xml version="1.0" encoding="utf-8"?>
 <p:sldLayout xmlns:a="http://schemas.openxmlformats.org/drawingml/2006/main" xmlns:r="http://schemas.openxmlformats.org/officeDocument/2006/relationships" xmlns:p="http://schemas.openxmlformats.org/presentationml/2006/main" preserve="1" userDrawn="1">
   <p:cSld name="Two Column Non-bulleted text">
     <p:spTree>
@@ -10712,7 +8684,7 @@
 </p:sldLayout>
 </file>
 
-<file path=ppt/slideLayouts/slideLayout18.xml><?xml version="1.0" encoding="utf-8"?>
+<file path=ppt/slideLayouts/slideLayout17.xml><?xml version="1.0" encoding="utf-8"?>
 <p:sldLayout xmlns:a="http://schemas.openxmlformats.org/drawingml/2006/main" xmlns:r="http://schemas.openxmlformats.org/officeDocument/2006/relationships" xmlns:p="http://schemas.openxmlformats.org/presentationml/2006/main" preserve="1" userDrawn="1">
   <p:cSld name="Two Column Bullet text">
     <p:spTree>
@@ -10936,7 +8908,7 @@
 </p:sldLayout>
 </file>
 
-<file path=ppt/slideLayouts/slideLayout19.xml><?xml version="1.0" encoding="utf-8"?>
+<file path=ppt/slideLayouts/slideLayout18.xml><?xml version="1.0" encoding="utf-8"?>
 <p:sldLayout xmlns:a="http://schemas.openxmlformats.org/drawingml/2006/main" xmlns:r="http://schemas.openxmlformats.org/officeDocument/2006/relationships" xmlns:p="http://schemas.openxmlformats.org/presentationml/2006/main" preserve="1" userDrawn="1">
   <p:cSld name="Title Only">
     <p:spTree>
@@ -10991,48 +8963,7 @@
 </p:sldLayout>
 </file>
 
-<file path=ppt/slideLayouts/slideLayout2.xml><?xml version="1.0" encoding="utf-8"?>
-<p:sldLayout xmlns:a="http://schemas.openxmlformats.org/drawingml/2006/main" xmlns:r="http://schemas.openxmlformats.org/officeDocument/2006/relationships" xmlns:p="http://schemas.openxmlformats.org/presentationml/2006/main" preserve="1" userDrawn="1">
-  <p:cSld name="Blank Blue">
-    <p:bg bwMode="ltGray">
-      <p:bgPr>
-        <a:solidFill>
-          <a:schemeClr val="accent1"/>
-        </a:solidFill>
-        <a:effectLst/>
-      </p:bgPr>
-    </p:bg>
-    <p:spTree>
-      <p:nvGrpSpPr>
-        <p:cNvPr id="1" name=""/>
-        <p:cNvGrpSpPr/>
-        <p:nvPr/>
-      </p:nvGrpSpPr>
-      <p:grpSpPr>
-        <a:xfrm>
-          <a:off x="0" y="0"/>
-          <a:ext cx="0" cy="0"/>
-          <a:chOff x="0" y="0"/>
-          <a:chExt cx="0" cy="0"/>
-        </a:xfrm>
-      </p:grpSpPr>
-    </p:spTree>
-    <p:extLst>
-      <p:ext uri="{BB962C8B-B14F-4D97-AF65-F5344CB8AC3E}">
-        <p14:creationId xmlns:p14="http://schemas.microsoft.com/office/powerpoint/2010/main" val="456722354"/>
-      </p:ext>
-    </p:extLst>
-  </p:cSld>
-  <p:clrMapOvr>
-    <a:masterClrMapping/>
-  </p:clrMapOvr>
-  <p:transition>
-    <p:fade/>
-  </p:transition>
-</p:sldLayout>
-</file>
-
-<file path=ppt/slideLayouts/slideLayout20.xml><?xml version="1.0" encoding="utf-8"?>
+<file path=ppt/slideLayouts/slideLayout19.xml><?xml version="1.0" encoding="utf-8"?>
 <p:sldLayout xmlns:a="http://schemas.openxmlformats.org/drawingml/2006/main" xmlns:r="http://schemas.openxmlformats.org/officeDocument/2006/relationships" xmlns:p="http://schemas.openxmlformats.org/presentationml/2006/main" preserve="1" userDrawn="1">
   <p:cSld name="Demo slide">
     <p:bg>
@@ -11180,7 +9111,48 @@
 </p:sldLayout>
 </file>
 
-<file path=ppt/slideLayouts/slideLayout21.xml><?xml version="1.0" encoding="utf-8"?>
+<file path=ppt/slideLayouts/slideLayout2.xml><?xml version="1.0" encoding="utf-8"?>
+<p:sldLayout xmlns:a="http://schemas.openxmlformats.org/drawingml/2006/main" xmlns:r="http://schemas.openxmlformats.org/officeDocument/2006/relationships" xmlns:p="http://schemas.openxmlformats.org/presentationml/2006/main" preserve="1" userDrawn="1">
+  <p:cSld name="Blank Blue">
+    <p:bg bwMode="ltGray">
+      <p:bgPr>
+        <a:solidFill>
+          <a:schemeClr val="accent1"/>
+        </a:solidFill>
+        <a:effectLst/>
+      </p:bgPr>
+    </p:bg>
+    <p:spTree>
+      <p:nvGrpSpPr>
+        <p:cNvPr id="1" name=""/>
+        <p:cNvGrpSpPr/>
+        <p:nvPr/>
+      </p:nvGrpSpPr>
+      <p:grpSpPr>
+        <a:xfrm>
+          <a:off x="0" y="0"/>
+          <a:ext cx="0" cy="0"/>
+          <a:chOff x="0" y="0"/>
+          <a:chExt cx="0" cy="0"/>
+        </a:xfrm>
+      </p:grpSpPr>
+    </p:spTree>
+    <p:extLst>
+      <p:ext uri="{BB962C8B-B14F-4D97-AF65-F5344CB8AC3E}">
+        <p14:creationId xmlns:p14="http://schemas.microsoft.com/office/powerpoint/2010/main" val="456722354"/>
+      </p:ext>
+    </p:extLst>
+  </p:cSld>
+  <p:clrMapOvr>
+    <a:masterClrMapping/>
+  </p:clrMapOvr>
+  <p:transition>
+    <p:fade/>
+  </p:transition>
+</p:sldLayout>
+</file>
+
+<file path=ppt/slideLayouts/slideLayout20.xml><?xml version="1.0" encoding="utf-8"?>
 <p:sldLayout xmlns:a="http://schemas.openxmlformats.org/drawingml/2006/main" xmlns:r="http://schemas.openxmlformats.org/officeDocument/2006/relationships" xmlns:p="http://schemas.openxmlformats.org/presentationml/2006/main" preserve="1" userDrawn="1">
   <p:cSld name="Video slide">
     <p:bg>
@@ -11283,7 +9255,7 @@
 </p:sldLayout>
 </file>
 
-<file path=ppt/slideLayouts/slideLayout22.xml><?xml version="1.0" encoding="utf-8"?>
+<file path=ppt/slideLayouts/slideLayout21.xml><?xml version="1.0" encoding="utf-8"?>
 <p:sldLayout xmlns:a="http://schemas.openxmlformats.org/drawingml/2006/main" xmlns:r="http://schemas.openxmlformats.org/officeDocument/2006/relationships" xmlns:p="http://schemas.openxmlformats.org/presentationml/2006/main" preserve="1" userDrawn="1">
   <p:cSld name="Section Title">
     <p:bg>
@@ -11370,7 +9342,7 @@
 </p:sldLayout>
 </file>
 
-<file path=ppt/slideLayouts/slideLayout23.xml><?xml version="1.0" encoding="utf-8"?>
+<file path=ppt/slideLayouts/slideLayout22.xml><?xml version="1.0" encoding="utf-8"?>
 <p:sldLayout xmlns:a="http://schemas.openxmlformats.org/drawingml/2006/main" xmlns:r="http://schemas.openxmlformats.org/officeDocument/2006/relationships" xmlns:p="http://schemas.openxmlformats.org/presentationml/2006/main" preserve="1" userDrawn="1">
   <p:cSld name="Section Title Accent Color 1">
     <p:bg>
@@ -11457,7 +9429,7 @@
 </p:sldLayout>
 </file>
 
-<file path=ppt/slideLayouts/slideLayout24.xml><?xml version="1.0" encoding="utf-8"?>
+<file path=ppt/slideLayouts/slideLayout23.xml><?xml version="1.0" encoding="utf-8"?>
 <p:sldLayout xmlns:a="http://schemas.openxmlformats.org/drawingml/2006/main" xmlns:r="http://schemas.openxmlformats.org/officeDocument/2006/relationships" xmlns:p="http://schemas.openxmlformats.org/presentationml/2006/main" preserve="1" userDrawn="1">
   <p:cSld name="50-50 Right Photo Layout">
     <p:spTree>
@@ -11600,7 +9572,7 @@
 </p:sldLayout>
 </file>
 
-<file path=ppt/slideLayouts/slideLayout25.xml><?xml version="1.0" encoding="utf-8"?>
+<file path=ppt/slideLayouts/slideLayout24.xml><?xml version="1.0" encoding="utf-8"?>
 <p:sldLayout xmlns:a="http://schemas.openxmlformats.org/drawingml/2006/main" xmlns:r="http://schemas.openxmlformats.org/officeDocument/2006/relationships" xmlns:p="http://schemas.openxmlformats.org/presentationml/2006/main" preserve="1" userDrawn="1">
   <p:cSld name="Square Right Photo Layout">
     <p:spTree>
@@ -11774,7 +9746,7 @@
 </p:sldLayout>
 </file>
 
-<file path=ppt/slideLayouts/slideLayout26.xml><?xml version="1.0" encoding="utf-8"?>
+<file path=ppt/slideLayouts/slideLayout25.xml><?xml version="1.0" encoding="utf-8"?>
 <p:sldLayout xmlns:a="http://schemas.openxmlformats.org/drawingml/2006/main" xmlns:r="http://schemas.openxmlformats.org/officeDocument/2006/relationships" xmlns:p="http://schemas.openxmlformats.org/presentationml/2006/main" preserve="1" userDrawn="1">
   <p:cSld name="Blank">
     <p:spTree>
@@ -11807,7 +9779,7 @@
 </p:sldLayout>
 </file>
 
-<file path=ppt/slideLayouts/slideLayout27.xml><?xml version="1.0" encoding="utf-8"?>
+<file path=ppt/slideLayouts/slideLayout26.xml><?xml version="1.0" encoding="utf-8"?>
 <p:sldLayout xmlns:a="http://schemas.openxmlformats.org/drawingml/2006/main" xmlns:r="http://schemas.openxmlformats.org/officeDocument/2006/relationships" xmlns:p="http://schemas.openxmlformats.org/presentationml/2006/main" preserve="1" userDrawn="1">
   <p:cSld name="Blank Accent Color 1">
     <p:bg>
@@ -11848,7 +9820,7 @@
 </p:sldLayout>
 </file>
 
-<file path=ppt/slideLayouts/slideLayout28.xml><?xml version="1.0" encoding="utf-8"?>
+<file path=ppt/slideLayouts/slideLayout27.xml><?xml version="1.0" encoding="utf-8"?>
 <p:sldLayout xmlns:a="http://schemas.openxmlformats.org/drawingml/2006/main" xmlns:r="http://schemas.openxmlformats.org/officeDocument/2006/relationships" xmlns:p="http://schemas.openxmlformats.org/presentationml/2006/main" preserve="1" userDrawn="1">
   <p:cSld name="Developer Code Layout">
     <p:spTree>
@@ -12127,7 +10099,7 @@
 </p:sldLayout>
 </file>
 
-<file path=ppt/slideLayouts/slideLayout29.xml><?xml version="1.0" encoding="utf-8"?>
+<file path=ppt/slideLayouts/slideLayout28.xml><?xml version="1.0" encoding="utf-8"?>
 <p:sldLayout xmlns:a="http://schemas.openxmlformats.org/drawingml/2006/main" xmlns:r="http://schemas.openxmlformats.org/officeDocument/2006/relationships" xmlns:p="http://schemas.openxmlformats.org/presentationml/2006/main" preserve="1" userDrawn="1">
   <p:cSld name="Closing logo slide">
     <p:bg>
@@ -13537,178 +11509,7 @@
 </p:sldLayout>
 </file>
 
-<file path=ppt/slideLayouts/slideLayout3.xml><?xml version="1.0" encoding="utf-8"?>
-<p:sldLayout xmlns:a="http://schemas.openxmlformats.org/drawingml/2006/main" xmlns:r="http://schemas.openxmlformats.org/officeDocument/2006/relationships" xmlns:p="http://schemas.openxmlformats.org/presentationml/2006/main" userDrawn="1">
-  <p:cSld name="Title &amp; Content Bulleted Text">
-    <p:bg bwMode="ltGray">
-      <p:bgPr>
-        <a:solidFill>
-          <a:schemeClr val="accent1"/>
-        </a:solidFill>
-        <a:effectLst/>
-      </p:bgPr>
-    </p:bg>
-    <p:spTree>
-      <p:nvGrpSpPr>
-        <p:cNvPr id="1" name=""/>
-        <p:cNvGrpSpPr/>
-        <p:nvPr/>
-      </p:nvGrpSpPr>
-      <p:grpSpPr>
-        <a:xfrm>
-          <a:off x="0" y="0"/>
-          <a:ext cx="0" cy="0"/>
-          <a:chOff x="0" y="0"/>
-          <a:chExt cx="0" cy="0"/>
-        </a:xfrm>
-      </p:grpSpPr>
-      <p:sp>
-        <p:nvSpPr>
-          <p:cNvPr id="2" name="Title 1"/>
-          <p:cNvSpPr>
-            <a:spLocks noGrp="1"/>
-          </p:cNvSpPr>
-          <p:nvPr>
-            <p:ph type="title"/>
-          </p:nvPr>
-        </p:nvSpPr>
-        <p:spPr>
-          <a:xfrm>
-            <a:off x="268934" y="291112"/>
-            <a:ext cx="11494682" cy="896518"/>
-          </a:xfrm>
-        </p:spPr>
-        <p:txBody>
-          <a:bodyPr/>
-          <a:lstStyle>
-            <a:lvl1pPr>
-              <a:defRPr sz="4264">
-                <a:gradFill>
-                  <a:gsLst>
-                    <a:gs pos="6195">
-                      <a:schemeClr val="tx1"/>
-                    </a:gs>
-                    <a:gs pos="26000">
-                      <a:schemeClr val="tx1"/>
-                    </a:gs>
-                  </a:gsLst>
-                  <a:lin ang="5400000" scaled="0"/>
-                </a:gradFill>
-              </a:defRPr>
-            </a:lvl1pPr>
-          </a:lstStyle>
-          <a:p>
-            <a:r>
-              <a:rPr lang="en-US"/>
-              <a:t>Click to edit Master title style</a:t>
-            </a:r>
-            <a:endParaRPr lang="en-US" dirty="0"/>
-          </a:p>
-        </p:txBody>
-      </p:sp>
-      <p:sp>
-        <p:nvSpPr>
-          <p:cNvPr id="4" name="Content Placeholder 3"/>
-          <p:cNvSpPr>
-            <a:spLocks noGrp="1"/>
-          </p:cNvSpPr>
-          <p:nvPr>
-            <p:ph sz="quarter" idx="10"/>
-          </p:nvPr>
-        </p:nvSpPr>
-        <p:spPr>
-          <a:xfrm>
-            <a:off x="269239" y="1663948"/>
-            <a:ext cx="10757098" cy="1441702"/>
-          </a:xfrm>
-        </p:spPr>
-        <p:txBody>
-          <a:bodyPr/>
-          <a:lstStyle>
-            <a:lvl1pPr>
-              <a:defRPr sz="1912">
-                <a:gradFill>
-                  <a:gsLst>
-                    <a:gs pos="1250">
-                      <a:schemeClr val="tx1"/>
-                    </a:gs>
-                    <a:gs pos="100000">
-                      <a:schemeClr val="tx1"/>
-                    </a:gs>
-                  </a:gsLst>
-                  <a:lin ang="5400000" scaled="0"/>
-                </a:gradFill>
-                <a:latin typeface="+mn-lt"/>
-              </a:defRPr>
-            </a:lvl1pPr>
-            <a:lvl2pPr>
-              <a:defRPr sz="1765"/>
-            </a:lvl2pPr>
-            <a:lvl3pPr>
-              <a:defRPr sz="1471"/>
-            </a:lvl3pPr>
-            <a:lvl4pPr>
-              <a:defRPr sz="1324"/>
-            </a:lvl4pPr>
-            <a:lvl5pPr>
-              <a:defRPr sz="1324"/>
-            </a:lvl5pPr>
-          </a:lstStyle>
-          <a:p>
-            <a:pPr lvl="0"/>
-            <a:r>
-              <a:rPr lang="en-US"/>
-              <a:t>Click to edit Master text styles</a:t>
-            </a:r>
-          </a:p>
-          <a:p>
-            <a:pPr lvl="1"/>
-            <a:r>
-              <a:rPr lang="en-US"/>
-              <a:t>Second level</a:t>
-            </a:r>
-          </a:p>
-          <a:p>
-            <a:pPr lvl="2"/>
-            <a:r>
-              <a:rPr lang="en-US"/>
-              <a:t>Third level</a:t>
-            </a:r>
-          </a:p>
-          <a:p>
-            <a:pPr lvl="3"/>
-            <a:r>
-              <a:rPr lang="en-US"/>
-              <a:t>Fourth level</a:t>
-            </a:r>
-          </a:p>
-          <a:p>
-            <a:pPr lvl="4"/>
-            <a:r>
-              <a:rPr lang="en-US"/>
-              <a:t>Fifth level</a:t>
-            </a:r>
-            <a:endParaRPr lang="en-US" dirty="0"/>
-          </a:p>
-        </p:txBody>
-      </p:sp>
-    </p:spTree>
-    <p:extLst>
-      <p:ext uri="{BB962C8B-B14F-4D97-AF65-F5344CB8AC3E}">
-        <p14:creationId xmlns:p14="http://schemas.microsoft.com/office/powerpoint/2010/main" val="2060864498"/>
-      </p:ext>
-    </p:extLst>
-  </p:cSld>
-  <p:clrMapOvr>
-    <a:masterClrMapping/>
-  </p:clrMapOvr>
-  <p:transition>
-    <p:fade/>
-  </p:transition>
-</p:sldLayout>
-</file>
-
-<file path=ppt/slideLayouts/slideLayout30.xml><?xml version="1.0" encoding="utf-8"?>
+<file path=ppt/slideLayouts/slideLayout29.xml><?xml version="1.0" encoding="utf-8"?>
 <p:sldLayout xmlns:a="http://schemas.openxmlformats.org/drawingml/2006/main" xmlns:r="http://schemas.openxmlformats.org/officeDocument/2006/relationships" xmlns:p="http://schemas.openxmlformats.org/presentationml/2006/main" preserve="1" userDrawn="1">
   <p:cSld name="Black Notes slide Layout">
     <p:bg bwMode="black">
@@ -14029,6 +11830,177 @@
 </p:sldLayout>
 </file>
 
+<file path=ppt/slideLayouts/slideLayout3.xml><?xml version="1.0" encoding="utf-8"?>
+<p:sldLayout xmlns:a="http://schemas.openxmlformats.org/drawingml/2006/main" xmlns:r="http://schemas.openxmlformats.org/officeDocument/2006/relationships" xmlns:p="http://schemas.openxmlformats.org/presentationml/2006/main" userDrawn="1">
+  <p:cSld name="Title &amp; Content Bulleted Text">
+    <p:bg bwMode="ltGray">
+      <p:bgPr>
+        <a:solidFill>
+          <a:schemeClr val="accent1"/>
+        </a:solidFill>
+        <a:effectLst/>
+      </p:bgPr>
+    </p:bg>
+    <p:spTree>
+      <p:nvGrpSpPr>
+        <p:cNvPr id="1" name=""/>
+        <p:cNvGrpSpPr/>
+        <p:nvPr/>
+      </p:nvGrpSpPr>
+      <p:grpSpPr>
+        <a:xfrm>
+          <a:off x="0" y="0"/>
+          <a:ext cx="0" cy="0"/>
+          <a:chOff x="0" y="0"/>
+          <a:chExt cx="0" cy="0"/>
+        </a:xfrm>
+      </p:grpSpPr>
+      <p:sp>
+        <p:nvSpPr>
+          <p:cNvPr id="2" name="Title 1"/>
+          <p:cNvSpPr>
+            <a:spLocks noGrp="1"/>
+          </p:cNvSpPr>
+          <p:nvPr>
+            <p:ph type="title"/>
+          </p:nvPr>
+        </p:nvSpPr>
+        <p:spPr>
+          <a:xfrm>
+            <a:off x="268934" y="291112"/>
+            <a:ext cx="11494682" cy="896518"/>
+          </a:xfrm>
+        </p:spPr>
+        <p:txBody>
+          <a:bodyPr/>
+          <a:lstStyle>
+            <a:lvl1pPr>
+              <a:defRPr sz="4264">
+                <a:gradFill>
+                  <a:gsLst>
+                    <a:gs pos="6195">
+                      <a:schemeClr val="tx1"/>
+                    </a:gs>
+                    <a:gs pos="26000">
+                      <a:schemeClr val="tx1"/>
+                    </a:gs>
+                  </a:gsLst>
+                  <a:lin ang="5400000" scaled="0"/>
+                </a:gradFill>
+              </a:defRPr>
+            </a:lvl1pPr>
+          </a:lstStyle>
+          <a:p>
+            <a:r>
+              <a:rPr lang="en-US"/>
+              <a:t>Click to edit Master title style</a:t>
+            </a:r>
+            <a:endParaRPr lang="en-US" dirty="0"/>
+          </a:p>
+        </p:txBody>
+      </p:sp>
+      <p:sp>
+        <p:nvSpPr>
+          <p:cNvPr id="4" name="Content Placeholder 3"/>
+          <p:cNvSpPr>
+            <a:spLocks noGrp="1"/>
+          </p:cNvSpPr>
+          <p:nvPr>
+            <p:ph sz="quarter" idx="10"/>
+          </p:nvPr>
+        </p:nvSpPr>
+        <p:spPr>
+          <a:xfrm>
+            <a:off x="269239" y="1663948"/>
+            <a:ext cx="10757098" cy="1441702"/>
+          </a:xfrm>
+        </p:spPr>
+        <p:txBody>
+          <a:bodyPr/>
+          <a:lstStyle>
+            <a:lvl1pPr>
+              <a:defRPr sz="1912">
+                <a:gradFill>
+                  <a:gsLst>
+                    <a:gs pos="1250">
+                      <a:schemeClr val="tx1"/>
+                    </a:gs>
+                    <a:gs pos="100000">
+                      <a:schemeClr val="tx1"/>
+                    </a:gs>
+                  </a:gsLst>
+                  <a:lin ang="5400000" scaled="0"/>
+                </a:gradFill>
+                <a:latin typeface="+mn-lt"/>
+              </a:defRPr>
+            </a:lvl1pPr>
+            <a:lvl2pPr>
+              <a:defRPr sz="1765"/>
+            </a:lvl2pPr>
+            <a:lvl3pPr>
+              <a:defRPr sz="1471"/>
+            </a:lvl3pPr>
+            <a:lvl4pPr>
+              <a:defRPr sz="1324"/>
+            </a:lvl4pPr>
+            <a:lvl5pPr>
+              <a:defRPr sz="1324"/>
+            </a:lvl5pPr>
+          </a:lstStyle>
+          <a:p>
+            <a:pPr lvl="0"/>
+            <a:r>
+              <a:rPr lang="en-US"/>
+              <a:t>Click to edit Master text styles</a:t>
+            </a:r>
+          </a:p>
+          <a:p>
+            <a:pPr lvl="1"/>
+            <a:r>
+              <a:rPr lang="en-US"/>
+              <a:t>Second level</a:t>
+            </a:r>
+          </a:p>
+          <a:p>
+            <a:pPr lvl="2"/>
+            <a:r>
+              <a:rPr lang="en-US"/>
+              <a:t>Third level</a:t>
+            </a:r>
+          </a:p>
+          <a:p>
+            <a:pPr lvl="3"/>
+            <a:r>
+              <a:rPr lang="en-US"/>
+              <a:t>Fourth level</a:t>
+            </a:r>
+          </a:p>
+          <a:p>
+            <a:pPr lvl="4"/>
+            <a:r>
+              <a:rPr lang="en-US"/>
+              <a:t>Fifth level</a:t>
+            </a:r>
+            <a:endParaRPr lang="en-US" dirty="0"/>
+          </a:p>
+        </p:txBody>
+      </p:sp>
+    </p:spTree>
+    <p:extLst>
+      <p:ext uri="{BB962C8B-B14F-4D97-AF65-F5344CB8AC3E}">
+        <p14:creationId xmlns:p14="http://schemas.microsoft.com/office/powerpoint/2010/main" val="2060864498"/>
+      </p:ext>
+    </p:extLst>
+  </p:cSld>
+  <p:clrMapOvr>
+    <a:masterClrMapping/>
+  </p:clrMapOvr>
+  <p:transition>
+    <p:fade/>
+  </p:transition>
+</p:sldLayout>
+</file>
+
 <file path=ppt/slideLayouts/slideLayout4.xml><?xml version="1.0" encoding="utf-8"?>
 <p:sldLayout xmlns:a="http://schemas.openxmlformats.org/drawingml/2006/main" xmlns:r="http://schemas.openxmlformats.org/officeDocument/2006/relationships" xmlns:p="http://schemas.openxmlformats.org/presentationml/2006/main" userDrawn="1">
   <p:cSld name="Title &amp; Non-bulleted text">
@@ -15077,8 +13049,7 @@
     <p:sldLayoutId id="2147483688" r:id="rId8"/>
     <p:sldLayoutId id="2147483689" r:id="rId9"/>
     <p:sldLayoutId id="2147483690" r:id="rId10"/>
-    <p:sldLayoutId id="2147483691" r:id="rId11"/>
-    <p:sldLayoutId id="2147483692" r:id="rId12"/>
+    <p:sldLayoutId id="2147483692" r:id="rId11"/>
   </p:sldLayoutIdLst>
   <p:transition>
     <p:fade/>
@@ -17381,83 +15352,48 @@
             <p:ph type="body" sz="quarter" idx="10"/>
           </p:nvPr>
         </p:nvSpPr>
-        <p:spPr/>
+        <p:spPr>
+          <a:xfrm>
+            <a:off x="269239" y="1189177"/>
+            <a:ext cx="11653523" cy="3645041"/>
+          </a:xfrm>
+        </p:spPr>
         <p:txBody>
           <a:bodyPr>
-            <a:normAutofit fontScale="92500" lnSpcReduction="10000"/>
+            <a:normAutofit fontScale="92500" lnSpcReduction="20000"/>
           </a:bodyPr>
           <a:lstStyle/>
           <a:p>
             <a:r>
-              <a:rPr lang="en-US" sz="3600" dirty="0">
-                <a:solidFill>
-                  <a:schemeClr val="tx1"/>
-                </a:solidFill>
-                <a:latin typeface="+mj-lt"/>
-              </a:rPr>
-              <a:t>Main topic 1: size 36pt</a:t>
-            </a:r>
-          </a:p>
-          <a:p>
-            <a:pPr lvl="1"/>
-            <a:r>
-              <a:rPr lang="en-US" sz="2800" dirty="0">
-                <a:solidFill>
-                  <a:schemeClr val="tx1"/>
-                </a:solidFill>
-                <a:latin typeface="Segoe UI Semilight" panose="020B0402040204020203" pitchFamily="34" charset="0"/>
-                <a:cs typeface="Segoe UI Semilight" panose="020B0402040204020203" pitchFamily="34" charset="0"/>
-              </a:rPr>
-              <a:t>Size 28pt for second leve</a:t>
-            </a:r>
-            <a:r>
-              <a:rPr lang="en-US" sz="2400" dirty="0">
-                <a:solidFill>
-                  <a:schemeClr val="tx1"/>
-                </a:solidFill>
-                <a:latin typeface="Segoe UI Semilight" panose="020B0402040204020203" pitchFamily="34" charset="0"/>
-                <a:cs typeface="Segoe UI Semilight" panose="020B0402040204020203" pitchFamily="34" charset="0"/>
-              </a:rPr>
-              <a:t>l</a:t>
-            </a:r>
-          </a:p>
-          <a:p>
-            <a:pPr lvl="1"/>
-            <a:r>
-              <a:rPr lang="en-US" sz="2400" dirty="0">
-                <a:solidFill>
-                  <a:schemeClr val="tx1"/>
-                </a:solidFill>
-                <a:latin typeface="Segoe UI Semilight" panose="020B0402040204020203" pitchFamily="34" charset="0"/>
-                <a:cs typeface="Segoe UI Semilight" panose="020B0402040204020203" pitchFamily="34" charset="0"/>
-              </a:rPr>
-              <a:t>Size 24pt for third level</a:t>
-            </a:r>
-          </a:p>
-          <a:p>
-            <a:pPr lvl="1"/>
-            <a:r>
-              <a:rPr lang="en-US" sz="2200" dirty="0">
-                <a:solidFill>
-                  <a:schemeClr val="tx1"/>
-                </a:solidFill>
-                <a:latin typeface="Segoe UI Semilight" panose="020B0402040204020203" pitchFamily="34" charset="0"/>
-                <a:cs typeface="Segoe UI Semilight" panose="020B0402040204020203" pitchFamily="34" charset="0"/>
-              </a:rPr>
-              <a:t>Size 22pt for fourth level</a:t>
-            </a:r>
-          </a:p>
-          <a:p>
-            <a:pPr lvl="1"/>
-            <a:r>
-              <a:rPr lang="en-US" sz="2200" dirty="0">
-                <a:solidFill>
-                  <a:schemeClr val="tx1"/>
-                </a:solidFill>
-                <a:latin typeface="Segoe UI Semilight" panose="020B0402040204020203" pitchFamily="34" charset="0"/>
-                <a:cs typeface="Segoe UI Semilight" panose="020B0402040204020203" pitchFamily="34" charset="0"/>
-              </a:rPr>
-              <a:t>Size 22pt for fifth level</a:t>
+              <a:rPr lang="en-US" dirty="0"/>
+              <a:t>IoT Developers and Support</a:t>
+            </a:r>
+          </a:p>
+          <a:p>
+            <a:endParaRPr lang="en-US" dirty="0"/>
+          </a:p>
+          <a:p>
+            <a:r>
+              <a:rPr lang="en-US" dirty="0"/>
+              <a:t>Cloud Architects</a:t>
+            </a:r>
+          </a:p>
+          <a:p>
+            <a:endParaRPr lang="en-US" dirty="0"/>
+          </a:p>
+          <a:p>
+            <a:r>
+              <a:rPr lang="en-US" dirty="0"/>
+              <a:t>Infrastructure Managers</a:t>
+            </a:r>
+          </a:p>
+          <a:p>
+            <a:endParaRPr lang="en-US" dirty="0"/>
+          </a:p>
+          <a:p>
+            <a:r>
+              <a:rPr lang="en-US" dirty="0"/>
+              <a:t>Network Engineers</a:t>
             </a:r>
           </a:p>
           <a:p>
@@ -17936,83 +15872,38 @@
             <p:ph type="body" sz="quarter" idx="10"/>
           </p:nvPr>
         </p:nvSpPr>
-        <p:spPr/>
+        <p:spPr>
+          <a:xfrm>
+            <a:off x="269239" y="1189177"/>
+            <a:ext cx="11653523" cy="4687188"/>
+          </a:xfrm>
+        </p:spPr>
         <p:txBody>
           <a:bodyPr>
-            <a:normAutofit fontScale="92500" lnSpcReduction="10000"/>
+            <a:normAutofit/>
           </a:bodyPr>
           <a:lstStyle/>
           <a:p>
             <a:r>
-              <a:rPr lang="en-US" sz="3600" dirty="0">
-                <a:solidFill>
-                  <a:schemeClr val="tx1"/>
-                </a:solidFill>
-                <a:latin typeface="+mj-lt"/>
-              </a:rPr>
-              <a:t>Main topic 1: size 36pt</a:t>
-            </a:r>
-          </a:p>
-          <a:p>
-            <a:pPr lvl="1"/>
-            <a:r>
-              <a:rPr lang="en-US" sz="2800" dirty="0">
-                <a:solidFill>
-                  <a:schemeClr val="tx1"/>
-                </a:solidFill>
-                <a:latin typeface="Segoe UI Semilight" panose="020B0402040204020203" pitchFamily="34" charset="0"/>
-                <a:cs typeface="Segoe UI Semilight" panose="020B0402040204020203" pitchFamily="34" charset="0"/>
-              </a:rPr>
-              <a:t>Size 28pt for second leve</a:t>
-            </a:r>
-            <a:r>
-              <a:rPr lang="en-US" sz="2400" dirty="0">
-                <a:solidFill>
-                  <a:schemeClr val="tx1"/>
-                </a:solidFill>
-                <a:latin typeface="Segoe UI Semilight" panose="020B0402040204020203" pitchFamily="34" charset="0"/>
-                <a:cs typeface="Segoe UI Semilight" panose="020B0402040204020203" pitchFamily="34" charset="0"/>
-              </a:rPr>
-              <a:t>l</a:t>
-            </a:r>
-          </a:p>
-          <a:p>
-            <a:pPr lvl="1"/>
-            <a:r>
-              <a:rPr lang="en-US" sz="2400" dirty="0">
-                <a:solidFill>
-                  <a:schemeClr val="tx1"/>
-                </a:solidFill>
-                <a:latin typeface="Segoe UI Semilight" panose="020B0402040204020203" pitchFamily="34" charset="0"/>
-                <a:cs typeface="Segoe UI Semilight" panose="020B0402040204020203" pitchFamily="34" charset="0"/>
-              </a:rPr>
-              <a:t>Size 24pt for third level</a:t>
-            </a:r>
-          </a:p>
-          <a:p>
-            <a:pPr lvl="1"/>
-            <a:r>
-              <a:rPr lang="en-US" sz="2200" dirty="0">
-                <a:solidFill>
-                  <a:schemeClr val="tx1"/>
-                </a:solidFill>
-                <a:latin typeface="Segoe UI Semilight" panose="020B0402040204020203" pitchFamily="34" charset="0"/>
-                <a:cs typeface="Segoe UI Semilight" panose="020B0402040204020203" pitchFamily="34" charset="0"/>
-              </a:rPr>
-              <a:t>Size 22pt for fourth level</a:t>
-            </a:r>
-          </a:p>
-          <a:p>
-            <a:pPr lvl="1"/>
-            <a:r>
-              <a:rPr lang="en-US" sz="2200" dirty="0">
-                <a:solidFill>
-                  <a:schemeClr val="tx1"/>
-                </a:solidFill>
-                <a:latin typeface="Segoe UI Semilight" panose="020B0402040204020203" pitchFamily="34" charset="0"/>
-                <a:cs typeface="Segoe UI Semilight" panose="020B0402040204020203" pitchFamily="34" charset="0"/>
-              </a:rPr>
-              <a:t>Size 22pt for fifth level</a:t>
+              <a:rPr lang="en-US" dirty="0"/>
+              <a:t>"Managing our massive worldwide IoT Infrastructure using the latest security features of Azure has given us the confidence to know our devices are running </a:t>
+            </a:r>
+            <a:r>
+              <a:rPr lang="en-US" dirty="0" err="1"/>
+              <a:t>securly</a:t>
+            </a:r>
+            <a:r>
+              <a:rPr lang="en-US" dirty="0"/>
+              <a:t> and efficiently with the added flexibility to change our direction at any time." </a:t>
+            </a:r>
+          </a:p>
+          <a:p>
+            <a:endParaRPr lang="en-US" dirty="0"/>
+          </a:p>
+          <a:p>
+            <a:r>
+              <a:rPr lang="en-US" dirty="0"/>
+              <a:t>Jack Tradewinds, CIO of Contoso, Ltd.</a:t>
             </a:r>
           </a:p>
           <a:p>
@@ -18144,565 +16035,6 @@
 </p:sld>
 </file>
 
-<file path=ppt/slides/slide18.xml><?xml version="1.0" encoding="utf-8"?>
-<p:sld xmlns:a="http://schemas.openxmlformats.org/drawingml/2006/main" xmlns:r="http://schemas.openxmlformats.org/officeDocument/2006/relationships" xmlns:p="http://schemas.openxmlformats.org/presentationml/2006/main">
-  <p:cSld>
-    <p:spTree>
-      <p:nvGrpSpPr>
-        <p:cNvPr id="1" name=""/>
-        <p:cNvGrpSpPr/>
-        <p:nvPr/>
-      </p:nvGrpSpPr>
-      <p:grpSpPr>
-        <a:xfrm>
-          <a:off x="0" y="0"/>
-          <a:ext cx="0" cy="0"/>
-          <a:chOff x="0" y="0"/>
-          <a:chExt cx="0" cy="0"/>
-        </a:xfrm>
-      </p:grpSpPr>
-      <p:sp>
-        <p:nvSpPr>
-          <p:cNvPr id="6" name="Text Placeholder 5"/>
-          <p:cNvSpPr>
-            <a:spLocks noGrp="1"/>
-          </p:cNvSpPr>
-          <p:nvPr>
-            <p:ph type="body" sz="quarter" idx="10"/>
-          </p:nvPr>
-        </p:nvSpPr>
-        <p:spPr>
-          <a:xfrm>
-            <a:off x="269239" y="1189177"/>
-            <a:ext cx="11653523" cy="2387192"/>
-          </a:xfrm>
-        </p:spPr>
-        <p:txBody>
-          <a:bodyPr/>
-          <a:lstStyle/>
-          <a:p>
-            <a:r>
-              <a:rPr lang="en-US" dirty="0">
-                <a:solidFill>
-                  <a:schemeClr val="tx1"/>
-                </a:solidFill>
-              </a:rPr>
-              <a:t>Main topic 1: size 36pt</a:t>
-            </a:r>
-          </a:p>
-          <a:p>
-            <a:pPr lvl="1"/>
-            <a:r>
-              <a:rPr lang="en-US" dirty="0">
-                <a:solidFill>
-                  <a:schemeClr val="tx1"/>
-                </a:solidFill>
-              </a:rPr>
-              <a:t>Size 28pt for second level</a:t>
-            </a:r>
-          </a:p>
-          <a:p>
-            <a:pPr lvl="2"/>
-            <a:r>
-              <a:rPr lang="en-US" dirty="0">
-                <a:solidFill>
-                  <a:schemeClr val="tx1"/>
-                </a:solidFill>
-              </a:rPr>
-              <a:t>Size 24pt for third level</a:t>
-            </a:r>
-          </a:p>
-          <a:p>
-            <a:pPr lvl="3"/>
-            <a:r>
-              <a:rPr lang="en-US" dirty="0">
-                <a:solidFill>
-                  <a:schemeClr val="tx1"/>
-                </a:solidFill>
-              </a:rPr>
-              <a:t>Size 22pt for fourth level</a:t>
-            </a:r>
-          </a:p>
-          <a:p>
-            <a:pPr lvl="4"/>
-            <a:r>
-              <a:rPr lang="en-US" dirty="0">
-                <a:solidFill>
-                  <a:schemeClr val="tx1"/>
-                </a:solidFill>
-              </a:rPr>
-              <a:t>Size 22 for fifth level</a:t>
-            </a:r>
-          </a:p>
-          <a:p>
-            <a:pPr lvl="2"/>
-            <a:endParaRPr lang="en-US" dirty="0">
-              <a:solidFill>
-                <a:schemeClr val="tx1"/>
-              </a:solidFill>
-            </a:endParaRPr>
-          </a:p>
-        </p:txBody>
-      </p:sp>
-      <p:sp>
-        <p:nvSpPr>
-          <p:cNvPr id="17" name="Title 16"/>
-          <p:cNvSpPr>
-            <a:spLocks noGrp="1"/>
-          </p:cNvSpPr>
-          <p:nvPr>
-            <p:ph type="title"/>
-          </p:nvPr>
-        </p:nvSpPr>
-        <p:spPr/>
-        <p:txBody>
-          <a:bodyPr/>
-          <a:lstStyle/>
-          <a:p>
-            <a:r>
-              <a:rPr lang="en-US" dirty="0">
-                <a:solidFill>
-                  <a:schemeClr val="tx1"/>
-                </a:solidFill>
-              </a:rPr>
-              <a:t>Text layout (without bullet points)</a:t>
-            </a:r>
-          </a:p>
-        </p:txBody>
-      </p:sp>
-    </p:spTree>
-    <p:extLst>
-      <p:ext uri="{BB962C8B-B14F-4D97-AF65-F5344CB8AC3E}">
-        <p14:creationId xmlns:p14="http://schemas.microsoft.com/office/powerpoint/2010/main" val="4234473174"/>
-      </p:ext>
-    </p:extLst>
-  </p:cSld>
-  <p:clrMapOvr>
-    <a:masterClrMapping/>
-  </p:clrMapOvr>
-  <mc:AlternateContent xmlns:mc="http://schemas.openxmlformats.org/markup-compatibility/2006" xmlns:p14="http://schemas.microsoft.com/office/powerpoint/2010/main">
-    <mc:Choice Requires="p14">
-      <p:transition spd="med" p14:dur="700">
-        <p:fade/>
-      </p:transition>
-    </mc:Choice>
-    <mc:Fallback xmlns="">
-      <p:transition spd="med">
-        <p:fade/>
-      </p:transition>
-    </mc:Fallback>
-  </mc:AlternateContent>
-</p:sld>
-</file>
-
-<file path=ppt/slides/slide19.xml><?xml version="1.0" encoding="utf-8"?>
-<p:sld xmlns:a="http://schemas.openxmlformats.org/drawingml/2006/main" xmlns:r="http://schemas.openxmlformats.org/officeDocument/2006/relationships" xmlns:p="http://schemas.openxmlformats.org/presentationml/2006/main">
-  <p:cSld>
-    <p:spTree>
-      <p:nvGrpSpPr>
-        <p:cNvPr id="1" name=""/>
-        <p:cNvGrpSpPr/>
-        <p:nvPr/>
-      </p:nvGrpSpPr>
-      <p:grpSpPr>
-        <a:xfrm>
-          <a:off x="0" y="0"/>
-          <a:ext cx="0" cy="0"/>
-          <a:chOff x="0" y="0"/>
-          <a:chExt cx="0" cy="0"/>
-        </a:xfrm>
-      </p:grpSpPr>
-      <p:sp>
-        <p:nvSpPr>
-          <p:cNvPr id="6" name="Text Placeholder 5"/>
-          <p:cNvSpPr>
-            <a:spLocks noGrp="1"/>
-          </p:cNvSpPr>
-          <p:nvPr>
-            <p:ph type="body" sz="quarter" idx="10"/>
-          </p:nvPr>
-        </p:nvSpPr>
-        <p:spPr/>
-        <p:txBody>
-          <a:bodyPr/>
-          <a:lstStyle/>
-          <a:p>
-            <a:r>
-              <a:rPr lang="en-US" dirty="0">
-                <a:solidFill>
-                  <a:schemeClr val="tx1"/>
-                </a:solidFill>
-              </a:rPr>
-              <a:t>Main topic 1: size 36pt</a:t>
-            </a:r>
-          </a:p>
-          <a:p>
-            <a:pPr lvl="1"/>
-            <a:r>
-              <a:rPr lang="en-US" dirty="0">
-                <a:solidFill>
-                  <a:schemeClr val="tx1"/>
-                </a:solidFill>
-              </a:rPr>
-              <a:t>Size 28pt for second level</a:t>
-            </a:r>
-          </a:p>
-          <a:p>
-            <a:pPr lvl="2"/>
-            <a:r>
-              <a:rPr lang="en-US" dirty="0">
-                <a:solidFill>
-                  <a:schemeClr val="tx1"/>
-                </a:solidFill>
-              </a:rPr>
-              <a:t>Size 24pt for third level</a:t>
-            </a:r>
-          </a:p>
-          <a:p>
-            <a:pPr lvl="3"/>
-            <a:r>
-              <a:rPr lang="en-US" dirty="0">
-                <a:solidFill>
-                  <a:schemeClr val="tx1"/>
-                </a:solidFill>
-              </a:rPr>
-              <a:t>Size 22pt for fourth level</a:t>
-            </a:r>
-          </a:p>
-          <a:p>
-            <a:pPr lvl="4"/>
-            <a:r>
-              <a:rPr lang="en-US" dirty="0">
-                <a:solidFill>
-                  <a:schemeClr val="tx1"/>
-                </a:solidFill>
-              </a:rPr>
-              <a:t>Size 22 for fifth level</a:t>
-            </a:r>
-          </a:p>
-        </p:txBody>
-      </p:sp>
-      <p:sp>
-        <p:nvSpPr>
-          <p:cNvPr id="17" name="Title 16"/>
-          <p:cNvSpPr>
-            <a:spLocks noGrp="1"/>
-          </p:cNvSpPr>
-          <p:nvPr>
-            <p:ph type="title"/>
-          </p:nvPr>
-        </p:nvSpPr>
-        <p:spPr/>
-        <p:txBody>
-          <a:bodyPr/>
-          <a:lstStyle/>
-          <a:p>
-            <a:r>
-              <a:rPr lang="en-US" dirty="0">
-                <a:solidFill>
-                  <a:schemeClr val="tx1"/>
-                </a:solidFill>
-              </a:rPr>
-              <a:t>Text with bullet points - adjusting list levels</a:t>
-            </a:r>
-          </a:p>
-        </p:txBody>
-      </p:sp>
-      <p:sp>
-        <p:nvSpPr>
-          <p:cNvPr id="7" name="Rectangle 6"/>
-          <p:cNvSpPr/>
-          <p:nvPr/>
-        </p:nvSpPr>
-        <p:spPr bwMode="auto">
-          <a:xfrm>
-            <a:off x="8333951" y="2711868"/>
-            <a:ext cx="3591130" cy="3863110"/>
-          </a:xfrm>
-          <a:prstGeom prst="rect">
-            <a:avLst/>
-          </a:prstGeom>
-          <a:solidFill>
-            <a:schemeClr val="accent1"/>
-          </a:solidFill>
-          <a:ln>
-            <a:noFill/>
-            <a:headEnd type="none" w="med" len="med"/>
-            <a:tailEnd type="none" w="med" len="med"/>
-          </a:ln>
-          <a:effectLst/>
-        </p:spPr>
-        <p:style>
-          <a:lnRef idx="1">
-            <a:schemeClr val="accent2"/>
-          </a:lnRef>
-          <a:fillRef idx="3">
-            <a:schemeClr val="accent2"/>
-          </a:fillRef>
-          <a:effectRef idx="2">
-            <a:schemeClr val="accent2"/>
-          </a:effectRef>
-          <a:fontRef idx="minor">
-            <a:schemeClr val="lt1"/>
-          </a:fontRef>
-        </p:style>
-        <p:txBody>
-          <a:bodyPr rot="0" spcFirstLastPara="0" vertOverflow="overflow" horzOverflow="overflow" vert="horz" wrap="square" lIns="179285" tIns="143428" rIns="179285" bIns="143428" numCol="1" spcCol="0" rtlCol="0" fromWordArt="0" anchor="t" anchorCtr="0" forceAA="0" compatLnSpc="1">
-            <a:prstTxWarp prst="textNoShape">
-              <a:avLst/>
-            </a:prstTxWarp>
-            <a:noAutofit/>
-          </a:bodyPr>
-          <a:lstStyle/>
-          <a:p>
-            <a:pPr defTabSz="914102" fontAlgn="base">
-              <a:spcBef>
-                <a:spcPct val="0"/>
-              </a:spcBef>
-              <a:spcAft>
-                <a:spcPct val="0"/>
-              </a:spcAft>
-            </a:pPr>
-            <a:r>
-              <a:rPr lang="en-US" sz="1372" dirty="0">
-                <a:solidFill>
-                  <a:schemeClr val="tx1"/>
-                </a:solidFill>
-                <a:ea typeface="Segoe UI" pitchFamily="34" charset="0"/>
-                <a:cs typeface="Segoe UI" pitchFamily="34" charset="0"/>
-              </a:rPr>
-              <a:t>Use the “Decrease List Level” and “Increase List Level” tools on the Home Menu to change text levels.</a:t>
-            </a:r>
-          </a:p>
-          <a:p>
-            <a:pPr defTabSz="914102" fontAlgn="base">
-              <a:spcBef>
-                <a:spcPts val="600"/>
-              </a:spcBef>
-              <a:spcAft>
-                <a:spcPct val="0"/>
-              </a:spcAft>
-            </a:pPr>
-            <a:r>
-              <a:rPr lang="en-US" sz="1372" dirty="0">
-                <a:solidFill>
-                  <a:schemeClr val="tx1"/>
-                </a:solidFill>
-                <a:ea typeface="Segoe UI" pitchFamily="34" charset="0"/>
-                <a:cs typeface="Segoe UI" pitchFamily="34" charset="0"/>
-              </a:rPr>
-              <a:t>Try this:  </a:t>
-            </a:r>
-          </a:p>
-          <a:p>
-            <a:pPr marL="288926" indent="-234950" defTabSz="914102" fontAlgn="base">
-              <a:spcBef>
-                <a:spcPct val="0"/>
-              </a:spcBef>
-              <a:spcAft>
-                <a:spcPct val="0"/>
-              </a:spcAft>
-              <a:buFont typeface="+mj-lt"/>
-              <a:buAutoNum type="arabicPeriod"/>
-            </a:pPr>
-            <a:r>
-              <a:rPr lang="en-US" sz="1372" dirty="0">
-                <a:solidFill>
-                  <a:schemeClr val="tx1"/>
-                </a:solidFill>
-                <a:ea typeface="Segoe UI" pitchFamily="34" charset="0"/>
-                <a:cs typeface="Segoe UI" pitchFamily="34" charset="0"/>
-              </a:rPr>
-              <a:t>Place your cursor in any row of text to the left that says “Size 20pt for subtopics”</a:t>
-            </a:r>
-          </a:p>
-          <a:p>
-            <a:pPr marL="288926" indent="-234950" defTabSz="914102" fontAlgn="base">
-              <a:spcBef>
-                <a:spcPct val="0"/>
-              </a:spcBef>
-              <a:spcAft>
-                <a:spcPct val="0"/>
-              </a:spcAft>
-              <a:buFont typeface="+mj-lt"/>
-              <a:buAutoNum type="arabicPeriod"/>
-            </a:pPr>
-            <a:r>
-              <a:rPr lang="en-US" sz="1372" dirty="0">
-                <a:solidFill>
-                  <a:schemeClr val="tx1"/>
-                </a:solidFill>
-                <a:ea typeface="Segoe UI" pitchFamily="34" charset="0"/>
-                <a:cs typeface="Segoe UI" pitchFamily="34" charset="0"/>
-              </a:rPr>
-              <a:t>Next click the Home tab, and then on the “</a:t>
-            </a:r>
-            <a:r>
-              <a:rPr lang="en-US" sz="1372" u="sng" dirty="0">
-                <a:solidFill>
-                  <a:schemeClr val="tx1"/>
-                </a:solidFill>
-                <a:ea typeface="Segoe UI" pitchFamily="34" charset="0"/>
-                <a:cs typeface="Segoe UI" pitchFamily="34" charset="0"/>
-              </a:rPr>
-              <a:t>Decrease List level</a:t>
-            </a:r>
-            <a:r>
-              <a:rPr lang="en-US" sz="1372" dirty="0">
-                <a:solidFill>
-                  <a:schemeClr val="tx1"/>
-                </a:solidFill>
-                <a:ea typeface="Segoe UI" pitchFamily="34" charset="0"/>
-                <a:cs typeface="Segoe UI" pitchFamily="34" charset="0"/>
-              </a:rPr>
-              <a:t>” tool. Notice how the line moves up one level.</a:t>
-            </a:r>
-          </a:p>
-          <a:p>
-            <a:pPr marL="288926" indent="-234950" defTabSz="914102" fontAlgn="base">
-              <a:spcBef>
-                <a:spcPct val="0"/>
-              </a:spcBef>
-              <a:spcAft>
-                <a:spcPct val="0"/>
-              </a:spcAft>
-              <a:buFont typeface="+mj-lt"/>
-              <a:buAutoNum type="arabicPeriod"/>
-            </a:pPr>
-            <a:r>
-              <a:rPr lang="en-US" sz="1372" dirty="0">
-                <a:solidFill>
-                  <a:schemeClr val="tx1"/>
-                </a:solidFill>
-                <a:ea typeface="Segoe UI" pitchFamily="34" charset="0"/>
-                <a:cs typeface="Segoe UI" pitchFamily="34" charset="0"/>
-              </a:rPr>
-              <a:t>Now try placing your cursor in one of the  “Main topic…” lines of text. Click the “</a:t>
-            </a:r>
-            <a:r>
-              <a:rPr lang="en-US" sz="1372" u="sng" dirty="0">
-                <a:solidFill>
-                  <a:schemeClr val="tx1"/>
-                </a:solidFill>
-                <a:ea typeface="Segoe UI" pitchFamily="34" charset="0"/>
-                <a:cs typeface="Segoe UI" pitchFamily="34" charset="0"/>
-              </a:rPr>
-              <a:t>Increase List Level</a:t>
-            </a:r>
-            <a:r>
-              <a:rPr lang="en-US" sz="1372" dirty="0">
-                <a:solidFill>
-                  <a:schemeClr val="tx1"/>
-                </a:solidFill>
-                <a:ea typeface="Segoe UI" pitchFamily="34" charset="0"/>
-                <a:cs typeface="Segoe UI" pitchFamily="34" charset="0"/>
-              </a:rPr>
-              <a:t>” tool and see how the text is pushed in one level</a:t>
-            </a:r>
-          </a:p>
-          <a:p>
-            <a:pPr defTabSz="914102" fontAlgn="base">
-              <a:spcBef>
-                <a:spcPts val="600"/>
-              </a:spcBef>
-              <a:spcAft>
-                <a:spcPct val="0"/>
-              </a:spcAft>
-            </a:pPr>
-            <a:r>
-              <a:rPr lang="en-US" sz="1372" dirty="0">
-                <a:solidFill>
-                  <a:schemeClr val="tx1"/>
-                </a:solidFill>
-                <a:ea typeface="Segoe UI" pitchFamily="34" charset="0"/>
-                <a:cs typeface="Segoe UI" pitchFamily="34" charset="0"/>
-              </a:rPr>
-              <a:t>Use these 2 tools to adjust your text levels as you work</a:t>
-            </a:r>
-          </a:p>
-        </p:txBody>
-      </p:sp>
-      <p:pic>
-        <p:nvPicPr>
-          <p:cNvPr id="8" name="Picture 3"/>
-          <p:cNvPicPr>
-            <a:picLocks noChangeArrowheads="1"/>
-          </p:cNvPicPr>
-          <p:nvPr/>
-        </p:nvPicPr>
-        <p:blipFill>
-          <a:blip r:embed="rId3">
-            <a:extLst>
-              <a:ext uri="{28A0092B-C50C-407E-A947-70E740481C1C}">
-                <a14:useLocalDpi xmlns:a14="http://schemas.microsoft.com/office/drawing/2010/main"/>
-              </a:ext>
-            </a:extLst>
-          </a:blip>
-          <a:stretch>
-            <a:fillRect/>
-          </a:stretch>
-        </p:blipFill>
-        <p:spPr bwMode="auto">
-          <a:xfrm>
-            <a:off x="1972491" y="5206132"/>
-            <a:ext cx="6140977" cy="1368846"/>
-          </a:xfrm>
-          <a:prstGeom prst="rect">
-            <a:avLst/>
-          </a:prstGeom>
-          <a:noFill/>
-          <a:ln w="19050">
-            <a:noFill/>
-            <a:miter lim="800000"/>
-            <a:headEnd/>
-            <a:tailEnd/>
-          </a:ln>
-          <a:effectLst/>
-          <a:extLst>
-            <a:ext uri="{909E8E84-426E-40DD-AFC4-6F175D3DCCD1}">
-              <a14:hiddenFill xmlns:a14="http://schemas.microsoft.com/office/drawing/2010/main">
-                <a:solidFill>
-                  <a:schemeClr val="accent1"/>
-                </a:solidFill>
-              </a14:hiddenFill>
-            </a:ext>
-            <a:ext uri="{AF507438-7753-43E0-B8FC-AC1667EBCBE1}">
-              <a14:hiddenEffects xmlns:a14="http://schemas.microsoft.com/office/drawing/2010/main">
-                <a:effectLst>
-                  <a:outerShdw dist="35921" dir="2700000" algn="ctr" rotWithShape="0">
-                    <a:schemeClr val="bg2"/>
-                  </a:outerShdw>
-                </a:effectLst>
-              </a14:hiddenEffects>
-            </a:ext>
-          </a:extLst>
-        </p:spPr>
-      </p:pic>
-    </p:spTree>
-    <p:extLst>
-      <p:ext uri="{BB962C8B-B14F-4D97-AF65-F5344CB8AC3E}">
-        <p14:creationId xmlns:p14="http://schemas.microsoft.com/office/powerpoint/2010/main" val="1332049140"/>
-      </p:ext>
-    </p:extLst>
-  </p:cSld>
-  <p:clrMapOvr>
-    <a:masterClrMapping/>
-  </p:clrMapOvr>
-  <mc:AlternateContent xmlns:mc="http://schemas.openxmlformats.org/markup-compatibility/2006" xmlns:p14="http://schemas.microsoft.com/office/powerpoint/2010/main">
-    <mc:Choice Requires="p14">
-      <p:transition spd="med" p14:dur="700">
-        <p:fade/>
-      </p:transition>
-    </mc:Choice>
-    <mc:Fallback xmlns="">
-      <p:transition spd="med">
-        <p:fade/>
-      </p:transition>
-    </mc:Fallback>
-  </mc:AlternateContent>
-</p:sld>
-</file>
-
 <file path=ppt/slides/slide2.xml><?xml version="1.0" encoding="utf-8"?>
 <p:sld xmlns:a="http://schemas.openxmlformats.org/drawingml/2006/main" xmlns:r="http://schemas.openxmlformats.org/officeDocument/2006/relationships" xmlns:p="http://schemas.openxmlformats.org/presentationml/2006/main">
   <p:cSld>
@@ -18829,679 +16161,6 @@
     </mc:Choice>
     <mc:Fallback xmlns="">
       <p:transition/>
-    </mc:Fallback>
-  </mc:AlternateContent>
-</p:sld>
-</file>
-
-<file path=ppt/slides/slide20.xml><?xml version="1.0" encoding="utf-8"?>
-<p:sld xmlns:a="http://schemas.openxmlformats.org/drawingml/2006/main" xmlns:r="http://schemas.openxmlformats.org/officeDocument/2006/relationships" xmlns:p="http://schemas.openxmlformats.org/presentationml/2006/main">
-  <p:cSld>
-    <p:spTree>
-      <p:nvGrpSpPr>
-        <p:cNvPr id="1" name=""/>
-        <p:cNvGrpSpPr/>
-        <p:nvPr/>
-      </p:nvGrpSpPr>
-      <p:grpSpPr>
-        <a:xfrm>
-          <a:off x="0" y="0"/>
-          <a:ext cx="0" cy="0"/>
-          <a:chOff x="0" y="0"/>
-          <a:chExt cx="0" cy="0"/>
-        </a:xfrm>
-      </p:grpSpPr>
-      <p:sp>
-        <p:nvSpPr>
-          <p:cNvPr id="3" name="Text Placeholder 2"/>
-          <p:cNvSpPr>
-            <a:spLocks noGrp="1"/>
-          </p:cNvSpPr>
-          <p:nvPr>
-            <p:ph type="body" sz="quarter" idx="4294967295"/>
-          </p:nvPr>
-        </p:nvSpPr>
-        <p:spPr>
-          <a:xfrm>
-            <a:off x="0" y="1793875"/>
-            <a:ext cx="11652250" cy="2586157"/>
-          </a:xfrm>
-        </p:spPr>
-        <p:txBody>
-          <a:bodyPr/>
-          <a:lstStyle/>
-          <a:p>
-            <a:r>
-              <a:rPr lang="en-US" dirty="0">
-                <a:solidFill>
-                  <a:schemeClr val="tx1"/>
-                </a:solidFill>
-              </a:rPr>
-              <a:t>Example of a bulleted slide with a subhead</a:t>
-            </a:r>
-          </a:p>
-          <a:p>
-            <a:pPr lvl="1"/>
-            <a:r>
-              <a:rPr lang="en-US" dirty="0">
-                <a:solidFill>
-                  <a:schemeClr val="tx1"/>
-                </a:solidFill>
-              </a:rPr>
-              <a:t>Set the slide title to “Sentence case”</a:t>
-            </a:r>
-          </a:p>
-          <a:p>
-            <a:pPr lvl="1"/>
-            <a:r>
-              <a:rPr lang="en-US" dirty="0">
-                <a:solidFill>
-                  <a:schemeClr val="tx1"/>
-                </a:solidFill>
-              </a:rPr>
-              <a:t>Set subheads to “Sentence case”</a:t>
-            </a:r>
-          </a:p>
-          <a:p>
-            <a:pPr lvl="0"/>
-            <a:r>
-              <a:rPr lang="en-US" dirty="0">
-                <a:solidFill>
-                  <a:schemeClr val="tx1"/>
-                </a:solidFill>
-              </a:rPr>
-              <a:t>Hyperlink style</a:t>
-            </a:r>
-          </a:p>
-          <a:p>
-            <a:pPr lvl="1"/>
-            <a:r>
-              <a:rPr lang="en-US" dirty="0">
-                <a:solidFill>
-                  <a:schemeClr val="tx1"/>
-                </a:solidFill>
-                <a:hlinkClick r:id="rId3"/>
-              </a:rPr>
-              <a:t>www.microsoft.com</a:t>
-            </a:r>
-            <a:r>
-              <a:rPr lang="en-US" dirty="0">
-                <a:solidFill>
-                  <a:schemeClr val="tx1"/>
-                </a:solidFill>
-              </a:rPr>
-              <a:t> </a:t>
-            </a:r>
-          </a:p>
-        </p:txBody>
-      </p:sp>
-      <p:sp>
-        <p:nvSpPr>
-          <p:cNvPr id="2" name="Title 1"/>
-          <p:cNvSpPr>
-            <a:spLocks noGrp="1"/>
-          </p:cNvSpPr>
-          <p:nvPr>
-            <p:ph type="title" idx="4294967295"/>
-          </p:nvPr>
-        </p:nvSpPr>
-        <p:spPr>
-          <a:xfrm>
-            <a:off x="534988" y="290513"/>
-            <a:ext cx="11657012" cy="900112"/>
-          </a:xfrm>
-        </p:spPr>
-        <p:txBody>
-          <a:bodyPr/>
-          <a:lstStyle/>
-          <a:p>
-            <a:r>
-              <a:rPr lang="en-US" dirty="0">
-                <a:solidFill>
-                  <a:schemeClr val="tx1"/>
-                </a:solidFill>
-              </a:rPr>
-              <a:t>Bullet points layout with subtitle</a:t>
-            </a:r>
-            <a:br>
-              <a:rPr lang="en-US" dirty="0">
-                <a:solidFill>
-                  <a:schemeClr val="tx1"/>
-                </a:solidFill>
-              </a:rPr>
-            </a:br>
-            <a:r>
-              <a:rPr lang="en-US" sz="3529" dirty="0">
-                <a:solidFill>
-                  <a:schemeClr val="tx1"/>
-                </a:solidFill>
-              </a:rPr>
-              <a:t>Subtitle is smaller in the same text block</a:t>
-            </a:r>
-            <a:endParaRPr lang="en-US" sz="3921" dirty="0">
-              <a:solidFill>
-                <a:schemeClr val="tx1"/>
-              </a:solidFill>
-            </a:endParaRPr>
-          </a:p>
-        </p:txBody>
-      </p:sp>
-    </p:spTree>
-    <p:extLst>
-      <p:ext uri="{BB962C8B-B14F-4D97-AF65-F5344CB8AC3E}">
-        <p14:creationId xmlns:p14="http://schemas.microsoft.com/office/powerpoint/2010/main" val="3887587415"/>
-      </p:ext>
-    </p:extLst>
-  </p:cSld>
-  <p:clrMapOvr>
-    <a:masterClrMapping/>
-  </p:clrMapOvr>
-  <mc:AlternateContent xmlns:mc="http://schemas.openxmlformats.org/markup-compatibility/2006" xmlns:p14="http://schemas.microsoft.com/office/powerpoint/2010/main">
-    <mc:Choice Requires="p14">
-      <p:transition spd="med" p14:dur="700">
-        <p:fade/>
-      </p:transition>
-    </mc:Choice>
-    <mc:Fallback xmlns="">
-      <p:transition spd="med">
-        <p:fade/>
-      </p:transition>
-    </mc:Fallback>
-  </mc:AlternateContent>
-</p:sld>
-</file>
-
-<file path=ppt/slides/slide21.xml><?xml version="1.0" encoding="utf-8"?>
-<p:sld xmlns:a="http://schemas.openxmlformats.org/drawingml/2006/main" xmlns:r="http://schemas.openxmlformats.org/officeDocument/2006/relationships" xmlns:p="http://schemas.openxmlformats.org/presentationml/2006/main">
-  <p:cSld>
-    <p:spTree>
-      <p:nvGrpSpPr>
-        <p:cNvPr id="1" name=""/>
-        <p:cNvGrpSpPr/>
-        <p:nvPr/>
-      </p:nvGrpSpPr>
-      <p:grpSpPr>
-        <a:xfrm>
-          <a:off x="0" y="0"/>
-          <a:ext cx="0" cy="0"/>
-          <a:chOff x="0" y="0"/>
-          <a:chExt cx="0" cy="0"/>
-        </a:xfrm>
-      </p:grpSpPr>
-      <p:sp>
-        <p:nvSpPr>
-          <p:cNvPr id="2" name="Title 1"/>
-          <p:cNvSpPr>
-            <a:spLocks noGrp="1"/>
-          </p:cNvSpPr>
-          <p:nvPr>
-            <p:ph type="title"/>
-          </p:nvPr>
-        </p:nvSpPr>
-        <p:spPr>
-          <a:xfrm>
-            <a:off x="269240" y="3010840"/>
-            <a:ext cx="4795873" cy="836319"/>
-          </a:xfrm>
-        </p:spPr>
-        <p:txBody>
-          <a:bodyPr/>
-          <a:lstStyle/>
-          <a:p>
-            <a:r>
-              <a:rPr lang="en-US" dirty="0">
-                <a:solidFill>
-                  <a:schemeClr val="tx1"/>
-                </a:solidFill>
-              </a:rPr>
-              <a:t>Photo layout 1</a:t>
-            </a:r>
-          </a:p>
-        </p:txBody>
-      </p:sp>
-      <p:sp>
-        <p:nvSpPr>
-          <p:cNvPr id="3" name="Picture Placeholder 2">
-            <a:extLst>
-              <a:ext uri="{FF2B5EF4-FFF2-40B4-BE49-F238E27FC236}">
-                <a16:creationId xmlns:a16="http://schemas.microsoft.com/office/drawing/2014/main" id="{1C1F0CEC-E709-49D5-9437-71B581E4C3E3}"/>
-              </a:ext>
-            </a:extLst>
-          </p:cNvPr>
-          <p:cNvSpPr>
-            <a:spLocks noGrp="1"/>
-          </p:cNvSpPr>
-          <p:nvPr>
-            <p:ph type="pic" sz="quarter" idx="10"/>
-          </p:nvPr>
-        </p:nvSpPr>
-        <p:spPr/>
-      </p:sp>
-    </p:spTree>
-    <p:extLst>
-      <p:ext uri="{BB962C8B-B14F-4D97-AF65-F5344CB8AC3E}">
-        <p14:creationId xmlns:p14="http://schemas.microsoft.com/office/powerpoint/2010/main" val="491487794"/>
-      </p:ext>
-    </p:extLst>
-  </p:cSld>
-  <p:clrMapOvr>
-    <a:masterClrMapping/>
-  </p:clrMapOvr>
-  <mc:AlternateContent xmlns:mc="http://schemas.openxmlformats.org/markup-compatibility/2006" xmlns:p14="http://schemas.microsoft.com/office/powerpoint/2010/main">
-    <mc:Choice Requires="p14">
-      <p:transition spd="med" p14:dur="700">
-        <p:fade/>
-      </p:transition>
-    </mc:Choice>
-    <mc:Fallback xmlns="">
-      <p:transition spd="med">
-        <p:fade/>
-      </p:transition>
-    </mc:Fallback>
-  </mc:AlternateContent>
-</p:sld>
-</file>
-
-<file path=ppt/slides/slide22.xml><?xml version="1.0" encoding="utf-8"?>
-<p:sld xmlns:a="http://schemas.openxmlformats.org/drawingml/2006/main" xmlns:r="http://schemas.openxmlformats.org/officeDocument/2006/relationships" xmlns:p="http://schemas.openxmlformats.org/presentationml/2006/main">
-  <p:cSld>
-    <p:spTree>
-      <p:nvGrpSpPr>
-        <p:cNvPr id="1" name=""/>
-        <p:cNvGrpSpPr/>
-        <p:nvPr/>
-      </p:nvGrpSpPr>
-      <p:grpSpPr>
-        <a:xfrm>
-          <a:off x="0" y="0"/>
-          <a:ext cx="0" cy="0"/>
-          <a:chOff x="0" y="0"/>
-          <a:chExt cx="0" cy="0"/>
-        </a:xfrm>
-      </p:grpSpPr>
-      <p:sp>
-        <p:nvSpPr>
-          <p:cNvPr id="3" name="Title 2"/>
-          <p:cNvSpPr>
-            <a:spLocks noGrp="1"/>
-          </p:cNvSpPr>
-          <p:nvPr>
-            <p:ph type="title"/>
-          </p:nvPr>
-        </p:nvSpPr>
-        <p:spPr/>
-        <p:txBody>
-          <a:bodyPr/>
-          <a:lstStyle/>
-          <a:p>
-            <a:r>
-              <a:rPr lang="en-US" dirty="0">
-                <a:solidFill>
-                  <a:schemeClr val="tx1"/>
-                </a:solidFill>
-              </a:rPr>
-              <a:t>Demo</a:t>
-            </a:r>
-          </a:p>
-        </p:txBody>
-      </p:sp>
-    </p:spTree>
-    <p:extLst>
-      <p:ext uri="{BB962C8B-B14F-4D97-AF65-F5344CB8AC3E}">
-        <p14:creationId xmlns:p14="http://schemas.microsoft.com/office/powerpoint/2010/main" val="4151172388"/>
-      </p:ext>
-    </p:extLst>
-  </p:cSld>
-  <p:clrMapOvr>
-    <a:masterClrMapping/>
-  </p:clrMapOvr>
-  <mc:AlternateContent xmlns:mc="http://schemas.openxmlformats.org/markup-compatibility/2006" xmlns:p14="http://schemas.microsoft.com/office/powerpoint/2010/main">
-    <mc:Choice Requires="p14">
-      <p:transition spd="med" p14:dur="700">
-        <p:fade/>
-      </p:transition>
-    </mc:Choice>
-    <mc:Fallback xmlns="">
-      <p:transition spd="med">
-        <p:fade/>
-      </p:transition>
-    </mc:Fallback>
-  </mc:AlternateContent>
-</p:sld>
-</file>
-
-<file path=ppt/slides/slide23.xml><?xml version="1.0" encoding="utf-8"?>
-<p:sld xmlns:a="http://schemas.openxmlformats.org/drawingml/2006/main" xmlns:r="http://schemas.openxmlformats.org/officeDocument/2006/relationships" xmlns:p="http://schemas.openxmlformats.org/presentationml/2006/main">
-  <p:cSld>
-    <p:spTree>
-      <p:nvGrpSpPr>
-        <p:cNvPr id="1" name=""/>
-        <p:cNvGrpSpPr/>
-        <p:nvPr/>
-      </p:nvGrpSpPr>
-      <p:grpSpPr>
-        <a:xfrm>
-          <a:off x="0" y="0"/>
-          <a:ext cx="0" cy="0"/>
-          <a:chOff x="0" y="0"/>
-          <a:chExt cx="0" cy="0"/>
-        </a:xfrm>
-      </p:grpSpPr>
-      <p:sp>
-        <p:nvSpPr>
-          <p:cNvPr id="4" name="Title 3"/>
-          <p:cNvSpPr>
-            <a:spLocks noGrp="1"/>
-          </p:cNvSpPr>
-          <p:nvPr>
-            <p:ph type="title"/>
-          </p:nvPr>
-        </p:nvSpPr>
-        <p:spPr/>
-        <p:txBody>
-          <a:bodyPr/>
-          <a:lstStyle/>
-          <a:p>
-            <a:r>
-              <a:rPr lang="en-US" dirty="0"/>
-              <a:t>Video</a:t>
-            </a:r>
-          </a:p>
-        </p:txBody>
-      </p:sp>
-    </p:spTree>
-    <p:extLst>
-      <p:ext uri="{BB962C8B-B14F-4D97-AF65-F5344CB8AC3E}">
-        <p14:creationId xmlns:p14="http://schemas.microsoft.com/office/powerpoint/2010/main" val="1702666910"/>
-      </p:ext>
-    </p:extLst>
-  </p:cSld>
-  <p:clrMapOvr>
-    <a:masterClrMapping/>
-  </p:clrMapOvr>
-  <mc:AlternateContent xmlns:mc="http://schemas.openxmlformats.org/markup-compatibility/2006" xmlns:p14="http://schemas.microsoft.com/office/powerpoint/2010/main">
-    <mc:Choice Requires="p14">
-      <p:transition spd="med" p14:dur="700">
-        <p:fade/>
-      </p:transition>
-    </mc:Choice>
-    <mc:Fallback xmlns="">
-      <p:transition spd="med">
-        <p:fade/>
-      </p:transition>
-    </mc:Fallback>
-  </mc:AlternateContent>
-</p:sld>
-</file>
-
-<file path=ppt/slides/slide24.xml><?xml version="1.0" encoding="utf-8"?>
-<p:sld xmlns:a="http://schemas.openxmlformats.org/drawingml/2006/main" xmlns:r="http://schemas.openxmlformats.org/officeDocument/2006/relationships" xmlns:p="http://schemas.openxmlformats.org/presentationml/2006/main">
-  <p:cSld>
-    <p:spTree>
-      <p:nvGrpSpPr>
-        <p:cNvPr id="1" name=""/>
-        <p:cNvGrpSpPr/>
-        <p:nvPr/>
-      </p:nvGrpSpPr>
-      <p:grpSpPr>
-        <a:xfrm>
-          <a:off x="0" y="0"/>
-          <a:ext cx="0" cy="0"/>
-          <a:chOff x="0" y="0"/>
-          <a:chExt cx="0" cy="0"/>
-        </a:xfrm>
-      </p:grpSpPr>
-      <p:sp>
-        <p:nvSpPr>
-          <p:cNvPr id="2" name="Title 1"/>
-          <p:cNvSpPr>
-            <a:spLocks noGrp="1"/>
-          </p:cNvSpPr>
-          <p:nvPr>
-            <p:ph type="title"/>
-          </p:nvPr>
-        </p:nvSpPr>
-        <p:spPr/>
-        <p:txBody>
-          <a:bodyPr/>
-          <a:lstStyle/>
-          <a:p>
-            <a:r>
-              <a:rPr lang="en-US" dirty="0">
-                <a:solidFill>
-                  <a:schemeClr val="tx1"/>
-                </a:solidFill>
-              </a:rPr>
-              <a:t>Section title</a:t>
-            </a:r>
-          </a:p>
-        </p:txBody>
-      </p:sp>
-    </p:spTree>
-    <p:extLst>
-      <p:ext uri="{BB962C8B-B14F-4D97-AF65-F5344CB8AC3E}">
-        <p14:creationId xmlns:p14="http://schemas.microsoft.com/office/powerpoint/2010/main" val="1666887711"/>
-      </p:ext>
-    </p:extLst>
-  </p:cSld>
-  <p:clrMapOvr>
-    <a:masterClrMapping/>
-  </p:clrMapOvr>
-  <mc:AlternateContent xmlns:mc="http://schemas.openxmlformats.org/markup-compatibility/2006" xmlns:p14="http://schemas.microsoft.com/office/powerpoint/2010/main">
-    <mc:Choice Requires="p14">
-      <p:transition spd="med" p14:dur="700">
-        <p:fade/>
-      </p:transition>
-    </mc:Choice>
-    <mc:Fallback xmlns="">
-      <p:transition spd="med">
-        <p:fade/>
-      </p:transition>
-    </mc:Fallback>
-  </mc:AlternateContent>
-</p:sld>
-</file>
-
-<file path=ppt/slides/slide25.xml><?xml version="1.0" encoding="utf-8"?>
-<p:sld xmlns:a="http://schemas.openxmlformats.org/drawingml/2006/main" xmlns:r="http://schemas.openxmlformats.org/officeDocument/2006/relationships" xmlns:p="http://schemas.openxmlformats.org/presentationml/2006/main">
-  <p:cSld>
-    <p:spTree>
-      <p:nvGrpSpPr>
-        <p:cNvPr id="1" name=""/>
-        <p:cNvGrpSpPr/>
-        <p:nvPr/>
-      </p:nvGrpSpPr>
-      <p:grpSpPr>
-        <a:xfrm>
-          <a:off x="0" y="0"/>
-          <a:ext cx="0" cy="0"/>
-          <a:chOff x="0" y="0"/>
-          <a:chExt cx="0" cy="0"/>
-        </a:xfrm>
-      </p:grpSpPr>
-      <p:sp>
-        <p:nvSpPr>
-          <p:cNvPr id="4" name="Title 3"/>
-          <p:cNvSpPr>
-            <a:spLocks noGrp="1"/>
-          </p:cNvSpPr>
-          <p:nvPr>
-            <p:ph type="title"/>
-          </p:nvPr>
-        </p:nvSpPr>
-        <p:spPr/>
-        <p:txBody>
-          <a:bodyPr/>
-          <a:lstStyle/>
-          <a:p>
-            <a:r>
-              <a:rPr lang="en-US" dirty="0"/>
-              <a:t>Software code slide</a:t>
-            </a:r>
-          </a:p>
-        </p:txBody>
-      </p:sp>
-      <p:sp>
-        <p:nvSpPr>
-          <p:cNvPr id="5" name="Text Placeholder 4"/>
-          <p:cNvSpPr>
-            <a:spLocks noGrp="1"/>
-          </p:cNvSpPr>
-          <p:nvPr>
-            <p:ph type="body" sz="quarter" idx="10"/>
-          </p:nvPr>
-        </p:nvSpPr>
-        <p:spPr/>
-        <p:txBody>
-          <a:bodyPr/>
-          <a:lstStyle/>
-          <a:p>
-            <a:r>
-              <a:rPr lang="en-US" dirty="0"/>
-              <a:t>This slide layout uses Consolas, a monotype font which is ideal for showing software code. </a:t>
-            </a:r>
-          </a:p>
-        </p:txBody>
-      </p:sp>
-    </p:spTree>
-    <p:extLst>
-      <p:ext uri="{BB962C8B-B14F-4D97-AF65-F5344CB8AC3E}">
-        <p14:creationId xmlns:p14="http://schemas.microsoft.com/office/powerpoint/2010/main" val="4207219918"/>
-      </p:ext>
-    </p:extLst>
-  </p:cSld>
-  <p:clrMapOvr>
-    <a:masterClrMapping/>
-  </p:clrMapOvr>
-  <mc:AlternateContent xmlns:mc="http://schemas.openxmlformats.org/markup-compatibility/2006" xmlns:p14="http://schemas.microsoft.com/office/powerpoint/2010/main">
-    <mc:Choice Requires="p14">
-      <p:transition spd="med" p14:dur="700">
-        <p:fade/>
-      </p:transition>
-    </mc:Choice>
-    <mc:Fallback xmlns="">
-      <p:transition spd="med">
-        <p:fade/>
-      </p:transition>
-    </mc:Fallback>
-  </mc:AlternateContent>
-</p:sld>
-</file>
-
-<file path=ppt/slides/slide26.xml><?xml version="1.0" encoding="utf-8"?>
-<p:sld xmlns:a="http://schemas.openxmlformats.org/drawingml/2006/main" xmlns:r="http://schemas.openxmlformats.org/officeDocument/2006/relationships" xmlns:p="http://schemas.openxmlformats.org/presentationml/2006/main">
-  <p:cSld>
-    <p:spTree>
-      <p:nvGrpSpPr>
-        <p:cNvPr id="1" name=""/>
-        <p:cNvGrpSpPr/>
-        <p:nvPr/>
-      </p:nvGrpSpPr>
-      <p:grpSpPr>
-        <a:xfrm>
-          <a:off x="0" y="0"/>
-          <a:ext cx="0" cy="0"/>
-          <a:chOff x="0" y="0"/>
-          <a:chExt cx="0" cy="0"/>
-        </a:xfrm>
-      </p:grpSpPr>
-      <p:sp>
-        <p:nvSpPr>
-          <p:cNvPr id="6" name="Text Placeholder 5"/>
-          <p:cNvSpPr>
-            <a:spLocks noGrp="1"/>
-          </p:cNvSpPr>
-          <p:nvPr>
-            <p:ph type="body" sz="quarter" idx="10"/>
-          </p:nvPr>
-        </p:nvSpPr>
-        <p:spPr>
-          <a:xfrm>
-            <a:off x="269239" y="1189177"/>
-            <a:ext cx="11653523" cy="1759649"/>
-          </a:xfrm>
-        </p:spPr>
-        <p:txBody>
-          <a:bodyPr/>
-          <a:lstStyle/>
-          <a:p>
-            <a:r>
-              <a:rPr lang="en-US" dirty="0"/>
-              <a:t>Some speakers at Microsoft like to use this slide for hidden “notes slides”. </a:t>
-            </a:r>
-          </a:p>
-          <a:p>
-            <a:r>
-              <a:rPr lang="en-US" dirty="0"/>
-              <a:t>Delete it if you don’t want to use it.</a:t>
-            </a:r>
-          </a:p>
-        </p:txBody>
-      </p:sp>
-      <p:sp>
-        <p:nvSpPr>
-          <p:cNvPr id="7" name="Text Placeholder 6"/>
-          <p:cNvSpPr>
-            <a:spLocks noGrp="1"/>
-          </p:cNvSpPr>
-          <p:nvPr>
-            <p:ph type="body" sz="quarter" idx="11"/>
-          </p:nvPr>
-        </p:nvSpPr>
-        <p:spPr/>
-        <p:txBody>
-          <a:bodyPr/>
-          <a:lstStyle/>
-          <a:p>
-            <a:r>
-              <a:rPr lang="en-US" dirty="0"/>
-              <a:t>NEXT: &lt;next slide title&gt;</a:t>
-            </a:r>
-          </a:p>
-        </p:txBody>
-      </p:sp>
-      <p:sp>
-        <p:nvSpPr>
-          <p:cNvPr id="4" name="Title 3"/>
-          <p:cNvSpPr>
-            <a:spLocks noGrp="1"/>
-          </p:cNvSpPr>
-          <p:nvPr>
-            <p:ph type="title"/>
-          </p:nvPr>
-        </p:nvSpPr>
-        <p:spPr/>
-        <p:txBody>
-          <a:bodyPr/>
-          <a:lstStyle/>
-          <a:p>
-            <a:r>
-              <a:rPr lang="en-US" dirty="0"/>
-              <a:t>Notes (hidden)</a:t>
-            </a:r>
-          </a:p>
-        </p:txBody>
-      </p:sp>
-    </p:spTree>
-    <p:extLst>
-      <p:ext uri="{BB962C8B-B14F-4D97-AF65-F5344CB8AC3E}">
-        <p14:creationId xmlns:p14="http://schemas.microsoft.com/office/powerpoint/2010/main" val="3726924698"/>
-      </p:ext>
-    </p:extLst>
-  </p:cSld>
-  <p:clrMapOvr>
-    <a:masterClrMapping/>
-  </p:clrMapOvr>
-  <mc:AlternateContent xmlns:mc="http://schemas.openxmlformats.org/markup-compatibility/2006" xmlns:p14="http://schemas.microsoft.com/office/powerpoint/2010/main">
-    <mc:Choice Requires="p14">
-      <p:transition spd="med" p14:dur="700">
-        <p:fade/>
-      </p:transition>
-    </mc:Choice>
-    <mc:Fallback xmlns="">
-      <p:transition spd="med">
-        <p:fade/>
-      </p:transition>
     </mc:Fallback>
   </mc:AlternateContent>
 </p:sld>
@@ -20482,82 +17141,9 @@
         <p:spPr/>
         <p:txBody>
           <a:bodyPr>
-            <a:normAutofit fontScale="92500" lnSpcReduction="10000"/>
+            <a:normAutofit/>
           </a:bodyPr>
           <a:lstStyle/>
-          <a:p>
-            <a:r>
-              <a:rPr lang="en-US" sz="3600" dirty="0">
-                <a:solidFill>
-                  <a:schemeClr val="tx1"/>
-                </a:solidFill>
-                <a:latin typeface="+mj-lt"/>
-              </a:rPr>
-              <a:t>Main topic 1: size 36pt</a:t>
-            </a:r>
-          </a:p>
-          <a:p>
-            <a:pPr lvl="1"/>
-            <a:r>
-              <a:rPr lang="en-US" sz="2800" dirty="0">
-                <a:solidFill>
-                  <a:schemeClr val="tx1"/>
-                </a:solidFill>
-                <a:latin typeface="Segoe UI Semilight" panose="020B0402040204020203" pitchFamily="34" charset="0"/>
-                <a:cs typeface="Segoe UI Semilight" panose="020B0402040204020203" pitchFamily="34" charset="0"/>
-              </a:rPr>
-              <a:t>Size 28pt for second leve</a:t>
-            </a:r>
-            <a:r>
-              <a:rPr lang="en-US" sz="2400" dirty="0">
-                <a:solidFill>
-                  <a:schemeClr val="tx1"/>
-                </a:solidFill>
-                <a:latin typeface="Segoe UI Semilight" panose="020B0402040204020203" pitchFamily="34" charset="0"/>
-                <a:cs typeface="Segoe UI Semilight" panose="020B0402040204020203" pitchFamily="34" charset="0"/>
-              </a:rPr>
-              <a:t>l</a:t>
-            </a:r>
-          </a:p>
-          <a:p>
-            <a:pPr lvl="1"/>
-            <a:r>
-              <a:rPr lang="en-US" sz="2400" dirty="0">
-                <a:solidFill>
-                  <a:schemeClr val="tx1"/>
-                </a:solidFill>
-                <a:latin typeface="Segoe UI Semilight" panose="020B0402040204020203" pitchFamily="34" charset="0"/>
-                <a:cs typeface="Segoe UI Semilight" panose="020B0402040204020203" pitchFamily="34" charset="0"/>
-              </a:rPr>
-              <a:t>Size 24pt for third level</a:t>
-            </a:r>
-          </a:p>
-          <a:p>
-            <a:pPr lvl="1"/>
-            <a:r>
-              <a:rPr lang="en-US" sz="2200" dirty="0">
-                <a:solidFill>
-                  <a:schemeClr val="tx1"/>
-                </a:solidFill>
-                <a:latin typeface="Segoe UI Semilight" panose="020B0402040204020203" pitchFamily="34" charset="0"/>
-                <a:cs typeface="Segoe UI Semilight" panose="020B0402040204020203" pitchFamily="34" charset="0"/>
-              </a:rPr>
-              <a:t>Size 22pt for fourth level</a:t>
-            </a:r>
-          </a:p>
-          <a:p>
-            <a:pPr lvl="1"/>
-            <a:r>
-              <a:rPr lang="en-US" sz="2200" dirty="0">
-                <a:solidFill>
-                  <a:schemeClr val="tx1"/>
-                </a:solidFill>
-                <a:latin typeface="Segoe UI Semilight" panose="020B0402040204020203" pitchFamily="34" charset="0"/>
-                <a:cs typeface="Segoe UI Semilight" panose="020B0402040204020203" pitchFamily="34" charset="0"/>
-              </a:rPr>
-              <a:t>Size 22pt for fifth level</a:t>
-            </a:r>
-          </a:p>
           <a:p>
             <a:pPr marL="0" indent="0">
               <a:spcAft>
@@ -20616,6 +17202,42 @@
           </a:p>
         </p:txBody>
       </p:sp>
+      <p:pic>
+        <p:nvPicPr>
+          <p:cNvPr id="5" name="Picture 4">
+            <a:extLst>
+              <a:ext uri="{FF2B5EF4-FFF2-40B4-BE49-F238E27FC236}">
+                <a16:creationId xmlns:a16="http://schemas.microsoft.com/office/drawing/2014/main" id="{D1F1352D-7A16-4B46-B9B9-570898F747D8}"/>
+              </a:ext>
+            </a:extLst>
+          </p:cNvPr>
+          <p:cNvPicPr>
+            <a:picLocks noChangeAspect="1"/>
+          </p:cNvPicPr>
+          <p:nvPr/>
+        </p:nvPicPr>
+        <p:blipFill>
+          <a:blip r:embed="rId3">
+            <a:extLst>
+              <a:ext uri="{28A0092B-C50C-407E-A947-70E740481C1C}">
+                <a14:useLocalDpi xmlns:a14="http://schemas.microsoft.com/office/drawing/2010/main" val="0"/>
+              </a:ext>
+            </a:extLst>
+          </a:blip>
+          <a:stretch>
+            <a:fillRect/>
+          </a:stretch>
+        </p:blipFill>
+        <p:spPr>
+          <a:xfrm>
+            <a:off x="1521818" y="1262921"/>
+            <a:ext cx="8274364" cy="5039773"/>
+          </a:xfrm>
+          <a:prstGeom prst="rect">
+            <a:avLst/>
+          </a:prstGeom>
+        </p:spPr>
+      </p:pic>
     </p:spTree>
     <p:extLst>
       <p:ext uri="{BB962C8B-B14F-4D97-AF65-F5344CB8AC3E}">
@@ -21503,6 +18125,15 @@
 </file>
 
 <file path=customXml/item1.xml><?xml version="1.0" encoding="utf-8"?>
+<p:properties xmlns:p="http://schemas.microsoft.com/office/2006/metadata/properties" xmlns:xsi="http://www.w3.org/2001/XMLSchema-instance" xmlns:pc="http://schemas.microsoft.com/office/infopath/2007/PartnerControls">
+  <documentManagement>
+    <_ip_UnifiedCompliancePolicyUIAction xmlns="http://schemas.microsoft.com/sharepoint/v3" xsi:nil="true"/>
+    <_ip_UnifiedCompliancePolicyProperties xmlns="http://schemas.microsoft.com/sharepoint/v3" xsi:nil="true"/>
+  </documentManagement>
+</p:properties>
+</file>
+
+<file path=customXml/item2.xml><?xml version="1.0" encoding="utf-8"?>
 <ct:contentTypeSchema xmlns:ct="http://schemas.microsoft.com/office/2006/metadata/contentType" xmlns:ma="http://schemas.microsoft.com/office/2006/metadata/properties/metaAttributes" ct:_="" ma:_="" ma:contentTypeName="Document" ma:contentTypeID="0x010100D15DFA3690A15B4081582BBCC6BEAC3E" ma:contentTypeVersion="9" ma:contentTypeDescription="Create a new document." ma:contentTypeScope="" ma:versionID="642da1784587cbe85a7fdbbe4dc36103">
   <xsd:schema xmlns:xsd="http://www.w3.org/2001/XMLSchema" xmlns:xs="http://www.w3.org/2001/XMLSchema" xmlns:p="http://schemas.microsoft.com/office/2006/metadata/properties" xmlns:ns1="http://schemas.microsoft.com/sharepoint/v3" xmlns:ns2="2023ac63-7b75-4916-a9ee-591457758eee" xmlns:ns3="d9c797ad-d7c3-4982-82b7-81352a75e4a5" targetNamespace="http://schemas.microsoft.com/office/2006/metadata/properties" ma:root="true" ma:fieldsID="91198b0246576053cc55dd2c67035a89" ns1:_="" ns2:_="" ns3:_="">
     <xsd:import namespace="http://schemas.microsoft.com/sharepoint/v3"/>
@@ -21704,15 +18335,6 @@
 </ct:contentTypeSchema>
 </file>
 
-<file path=customXml/item2.xml><?xml version="1.0" encoding="utf-8"?>
-<p:properties xmlns:p="http://schemas.microsoft.com/office/2006/metadata/properties" xmlns:xsi="http://www.w3.org/2001/XMLSchema-instance" xmlns:pc="http://schemas.microsoft.com/office/infopath/2007/PartnerControls">
-  <documentManagement>
-    <_ip_UnifiedCompliancePolicyUIAction xmlns="http://schemas.microsoft.com/sharepoint/v3" xsi:nil="true"/>
-    <_ip_UnifiedCompliancePolicyProperties xmlns="http://schemas.microsoft.com/sharepoint/v3" xsi:nil="true"/>
-  </documentManagement>
-</p:properties>
-</file>
-
 <file path=customXml/item3.xml><?xml version="1.0" encoding="utf-8"?>
 <?mso-contentType ?>
 <FormTemplates xmlns="http://schemas.microsoft.com/sharepoint/v3/contenttype/forms">
@@ -21723,6 +18345,24 @@
 </file>
 
 <file path=customXml/itemProps1.xml><?xml version="1.0" encoding="utf-8"?>
+<ds:datastoreItem xmlns:ds="http://schemas.openxmlformats.org/officeDocument/2006/customXml" ds:itemID="{BAF7D529-36AB-45DA-B239-2F912F2D1610}">
+  <ds:schemaRefs>
+    <ds:schemaRef ds:uri="http://purl.org/dc/elements/1.1/"/>
+    <ds:schemaRef ds:uri="http://schemas.microsoft.com/office/2006/metadata/properties"/>
+    <ds:schemaRef ds:uri="http://purl.org/dc/terms/"/>
+    <ds:schemaRef ds:uri="http://schemas.microsoft.com/office/infopath/2007/PartnerControls"/>
+    <ds:schemaRef ds:uri="http://purl.org/dc/dcmitype/"/>
+    <ds:schemaRef ds:uri="http://schemas.openxmlformats.org/package/2006/metadata/core-properties"/>
+    <ds:schemaRef ds:uri="http://schemas.microsoft.com/office/2006/documentManagement/types"/>
+    <ds:schemaRef ds:uri="d9c797ad-d7c3-4982-82b7-81352a75e4a5"/>
+    <ds:schemaRef ds:uri="2023ac63-7b75-4916-a9ee-591457758eee"/>
+    <ds:schemaRef ds:uri="http://schemas.microsoft.com/sharepoint/v3"/>
+    <ds:schemaRef ds:uri="http://www.w3.org/XML/1998/namespace"/>
+  </ds:schemaRefs>
+</ds:datastoreItem>
+</file>
+
+<file path=customXml/itemProps2.xml><?xml version="1.0" encoding="utf-8"?>
 <ds:datastoreItem xmlns:ds="http://schemas.openxmlformats.org/officeDocument/2006/customXml" ds:itemID="{255F5BEB-6AD6-480A-8556-C80C5EBC10F2}">
   <ds:schemaRefs>
     <ds:schemaRef ds:uri="http://schemas.microsoft.com/office/2006/metadata/contentType"/>
@@ -21742,24 +18382,6 @@
 </ds:datastoreItem>
 </file>
 
-<file path=customXml/itemProps2.xml><?xml version="1.0" encoding="utf-8"?>
-<ds:datastoreItem xmlns:ds="http://schemas.openxmlformats.org/officeDocument/2006/customXml" ds:itemID="{BAF7D529-36AB-45DA-B239-2F912F2D1610}">
-  <ds:schemaRefs>
-    <ds:schemaRef ds:uri="http://purl.org/dc/elements/1.1/"/>
-    <ds:schemaRef ds:uri="http://schemas.microsoft.com/office/2006/metadata/properties"/>
-    <ds:schemaRef ds:uri="http://purl.org/dc/terms/"/>
-    <ds:schemaRef ds:uri="http://schemas.microsoft.com/office/infopath/2007/PartnerControls"/>
-    <ds:schemaRef ds:uri="http://purl.org/dc/dcmitype/"/>
-    <ds:schemaRef ds:uri="http://schemas.openxmlformats.org/package/2006/metadata/core-properties"/>
-    <ds:schemaRef ds:uri="http://schemas.microsoft.com/office/2006/documentManagement/types"/>
-    <ds:schemaRef ds:uri="d9c797ad-d7c3-4982-82b7-81352a75e4a5"/>
-    <ds:schemaRef ds:uri="2023ac63-7b75-4916-a9ee-591457758eee"/>
-    <ds:schemaRef ds:uri="http://schemas.microsoft.com/sharepoint/v3"/>
-    <ds:schemaRef ds:uri="http://www.w3.org/XML/1998/namespace"/>
-  </ds:schemaRefs>
-</ds:datastoreItem>
-</file>
-
 <file path=customXml/itemProps3.xml><?xml version="1.0" encoding="utf-8"?>
 <ds:datastoreItem xmlns:ds="http://schemas.openxmlformats.org/officeDocument/2006/customXml" ds:itemID="{F18501AF-04CF-4482-BAE1-607B49DDC378}">
   <ds:schemaRefs>
